--- a/SummerProgram presentation.pptx
+++ b/SummerProgram presentation.pptx
@@ -11,10 +11,10 @@
     <p:sldId id="256" r:id="rId2"/>
     <p:sldId id="288" r:id="rId3"/>
     <p:sldId id="289" r:id="rId4"/>
-    <p:sldId id="283" r:id="rId5"/>
-    <p:sldId id="286" r:id="rId6"/>
-    <p:sldId id="287" r:id="rId7"/>
-    <p:sldId id="257" r:id="rId8"/>
+    <p:sldId id="257" r:id="rId5"/>
+    <p:sldId id="283" r:id="rId6"/>
+    <p:sldId id="286" r:id="rId7"/>
+    <p:sldId id="287" r:id="rId8"/>
     <p:sldId id="290" r:id="rId9"/>
     <p:sldId id="259" r:id="rId10"/>
     <p:sldId id="258" r:id="rId11"/>
@@ -29,14 +29,14 @@
   <p:notesSz cx="6858000" cy="9144000"/>
   <p:embeddedFontLst>
     <p:embeddedFont>
-      <p:font typeface="Poppins" panose="02010600030101010101" charset="0"/>
+      <p:font typeface="Poppins Light" panose="02010600030101010101" charset="0"/>
       <p:regular r:id="rId19"/>
       <p:bold r:id="rId20"/>
       <p:italic r:id="rId21"/>
       <p:boldItalic r:id="rId22"/>
     </p:embeddedFont>
     <p:embeddedFont>
-      <p:font typeface="Poppins Light" panose="02010600030101010101" charset="0"/>
+      <p:font typeface="Poppins" panose="02010600030101010101" charset="0"/>
       <p:regular r:id="rId23"/>
       <p:bold r:id="rId24"/>
       <p:italic r:id="rId25"/>
@@ -830,6 +830,110 @@
   <p:cSld>
     <p:spTree>
       <p:nvGrpSpPr>
+        <p:cNvPr id="1" name="Shape 234"/>
+        <p:cNvGrpSpPr/>
+        <p:nvPr/>
+      </p:nvGrpSpPr>
+      <p:grpSpPr>
+        <a:xfrm>
+          <a:off x="0" y="0"/>
+          <a:ext cx="0" cy="0"/>
+          <a:chOff x="0" y="0"/>
+          <a:chExt cx="0" cy="0"/>
+        </a:xfrm>
+      </p:grpSpPr>
+      <p:sp>
+        <p:nvSpPr>
+          <p:cNvPr id="235" name="Google Shape;235;g35f391192_045:notes"/>
+          <p:cNvSpPr>
+            <a:spLocks noGrp="1" noRot="1" noChangeAspect="1"/>
+          </p:cNvSpPr>
+          <p:nvPr>
+            <p:ph type="sldImg" idx="2"/>
+          </p:nvPr>
+        </p:nvSpPr>
+        <p:spPr>
+          <a:xfrm>
+            <a:off x="381000" y="685800"/>
+            <a:ext cx="6096000" cy="3429000"/>
+          </a:xfrm>
+          <a:custGeom>
+            <a:avLst/>
+            <a:gdLst/>
+            <a:ahLst/>
+            <a:cxnLst/>
+            <a:rect l="l" t="t" r="r" b="b"/>
+            <a:pathLst>
+              <a:path w="120000" h="120000" extrusionOk="0">
+                <a:moveTo>
+                  <a:pt x="0" y="0"/>
+                </a:moveTo>
+                <a:lnTo>
+                  <a:pt x="120000" y="0"/>
+                </a:lnTo>
+                <a:lnTo>
+                  <a:pt x="120000" y="120000"/>
+                </a:lnTo>
+                <a:lnTo>
+                  <a:pt x="0" y="120000"/>
+                </a:lnTo>
+                <a:close/>
+              </a:path>
+            </a:pathLst>
+          </a:custGeom>
+        </p:spPr>
+      </p:sp>
+      <p:sp>
+        <p:nvSpPr>
+          <p:cNvPr id="236" name="Google Shape;236;g35f391192_045:notes"/>
+          <p:cNvSpPr txBox="1">
+            <a:spLocks noGrp="1"/>
+          </p:cNvSpPr>
+          <p:nvPr>
+            <p:ph type="body" idx="1"/>
+          </p:nvPr>
+        </p:nvSpPr>
+        <p:spPr>
+          <a:xfrm>
+            <a:off x="685800" y="4343400"/>
+            <a:ext cx="5486400" cy="4114800"/>
+          </a:xfrm>
+          <a:prstGeom prst="rect">
+            <a:avLst/>
+          </a:prstGeom>
+        </p:spPr>
+        <p:txBody>
+          <a:bodyPr spcFirstLastPara="1" wrap="square" lIns="91425" tIns="91425" rIns="91425" bIns="91425" anchor="t" anchorCtr="0">
+            <a:noAutofit/>
+          </a:bodyPr>
+          <a:lstStyle/>
+          <a:p>
+            <a:pPr marL="0" lvl="0" indent="0" algn="l" rtl="0">
+              <a:spcBef>
+                <a:spcPts val="0"/>
+              </a:spcBef>
+              <a:spcAft>
+                <a:spcPts val="0"/>
+              </a:spcAft>
+              <a:buNone/>
+            </a:pPr>
+            <a:endParaRPr/>
+          </a:p>
+        </p:txBody>
+      </p:sp>
+    </p:spTree>
+  </p:cSld>
+  <p:clrMapOvr>
+    <a:masterClrMapping/>
+  </p:clrMapOvr>
+</p:notes>
+</file>
+
+<file path=ppt/notesSlides/notesSlide11.xml><?xml version="1.0" encoding="utf-8"?>
+<p:notes xmlns:a="http://schemas.openxmlformats.org/drawingml/2006/main" xmlns:r="http://schemas.openxmlformats.org/officeDocument/2006/relationships" xmlns:p="http://schemas.openxmlformats.org/presentationml/2006/main" showMasterSp="0" showMasterPhAnim="0">
+  <p:cSld>
+    <p:spTree>
+      <p:nvGrpSpPr>
         <p:cNvPr id="1" name="Shape 259"/>
         <p:cNvGrpSpPr/>
         <p:nvPr/>
@@ -929,7 +1033,7 @@
 </p:notes>
 </file>
 
-<file path=ppt/notesSlides/notesSlide11.xml><?xml version="1.0" encoding="utf-8"?>
+<file path=ppt/notesSlides/notesSlide12.xml><?xml version="1.0" encoding="utf-8"?>
 <p:notes xmlns:a="http://schemas.openxmlformats.org/drawingml/2006/main" xmlns:r="http://schemas.openxmlformats.org/officeDocument/2006/relationships" xmlns:p="http://schemas.openxmlformats.org/presentationml/2006/main" showMasterSp="0" showMasterPhAnim="0">
   <p:cSld>
     <p:spTree>
@@ -1033,7 +1137,7 @@
 </p:notes>
 </file>
 
-<file path=ppt/notesSlides/notesSlide12.xml><?xml version="1.0" encoding="utf-8"?>
+<file path=ppt/notesSlides/notesSlide13.xml><?xml version="1.0" encoding="utf-8"?>
 <p:notes xmlns:a="http://schemas.openxmlformats.org/drawingml/2006/main" xmlns:r="http://schemas.openxmlformats.org/officeDocument/2006/relationships" xmlns:p="http://schemas.openxmlformats.org/presentationml/2006/main" showMasterSp="0" showMasterPhAnim="0">
   <p:cSld>
     <p:spTree>
@@ -1138,6 +1242,171 @@
 </file>
 
 <file path=ppt/notesSlides/notesSlide2.xml><?xml version="1.0" encoding="utf-8"?>
+<p:notes xmlns:a="http://schemas.openxmlformats.org/drawingml/2006/main" xmlns:r="http://schemas.openxmlformats.org/officeDocument/2006/relationships" xmlns:p="http://schemas.openxmlformats.org/presentationml/2006/main" showMasterSp="0" showMasterPhAnim="0">
+  <p:cSld>
+    <p:spTree>
+      <p:nvGrpSpPr>
+        <p:cNvPr id="1" name="Shape 149"/>
+        <p:cNvGrpSpPr/>
+        <p:nvPr/>
+      </p:nvGrpSpPr>
+      <p:grpSpPr>
+        <a:xfrm>
+          <a:off x="0" y="0"/>
+          <a:ext cx="0" cy="0"/>
+          <a:chOff x="0" y="0"/>
+          <a:chExt cx="0" cy="0"/>
+        </a:xfrm>
+      </p:grpSpPr>
+      <p:sp>
+        <p:nvSpPr>
+          <p:cNvPr id="150" name="Google Shape;150;g3606f1c2d_30:notes"/>
+          <p:cNvSpPr>
+            <a:spLocks noGrp="1" noRot="1" noChangeAspect="1"/>
+          </p:cNvSpPr>
+          <p:nvPr>
+            <p:ph type="sldImg" idx="2"/>
+          </p:nvPr>
+        </p:nvSpPr>
+        <p:spPr>
+          <a:xfrm>
+            <a:off x="381000" y="685800"/>
+            <a:ext cx="6096000" cy="3429000"/>
+          </a:xfrm>
+          <a:custGeom>
+            <a:avLst/>
+            <a:gdLst/>
+            <a:ahLst/>
+            <a:cxnLst/>
+            <a:rect l="l" t="t" r="r" b="b"/>
+            <a:pathLst>
+              <a:path w="120000" h="120000" extrusionOk="0">
+                <a:moveTo>
+                  <a:pt x="0" y="0"/>
+                </a:moveTo>
+                <a:lnTo>
+                  <a:pt x="120000" y="0"/>
+                </a:lnTo>
+                <a:lnTo>
+                  <a:pt x="120000" y="120000"/>
+                </a:lnTo>
+                <a:lnTo>
+                  <a:pt x="0" y="120000"/>
+                </a:lnTo>
+                <a:close/>
+              </a:path>
+            </a:pathLst>
+          </a:custGeom>
+        </p:spPr>
+      </p:sp>
+      <p:sp>
+        <p:nvSpPr>
+          <p:cNvPr id="151" name="Google Shape;151;g3606f1c2d_30:notes"/>
+          <p:cNvSpPr txBox="1">
+            <a:spLocks noGrp="1"/>
+          </p:cNvSpPr>
+          <p:nvPr>
+            <p:ph type="body" idx="1"/>
+          </p:nvPr>
+        </p:nvSpPr>
+        <p:spPr>
+          <a:xfrm>
+            <a:off x="685800" y="4343400"/>
+            <a:ext cx="5486400" cy="4114800"/>
+          </a:xfrm>
+          <a:prstGeom prst="rect">
+            <a:avLst/>
+          </a:prstGeom>
+        </p:spPr>
+        <p:txBody>
+          <a:bodyPr spcFirstLastPara="1" wrap="square" lIns="91425" tIns="91425" rIns="91425" bIns="91425" anchor="t" anchorCtr="0">
+            <a:noAutofit/>
+          </a:bodyPr>
+          <a:lstStyle/>
+          <a:p>
+            <a:pPr marL="0" lvl="0" indent="0" algn="l" rtl="0">
+              <a:spcBef>
+                <a:spcPts val="0"/>
+              </a:spcBef>
+              <a:spcAft>
+                <a:spcPts val="0"/>
+              </a:spcAft>
+              <a:buNone/>
+            </a:pPr>
+            <a:endParaRPr/>
+          </a:p>
+        </p:txBody>
+      </p:sp>
+    </p:spTree>
+  </p:cSld>
+  <p:clrMapOvr>
+    <a:masterClrMapping/>
+  </p:clrMapOvr>
+</p:notes>
+</file>
+
+<file path=ppt/notesSlides/notesSlide3.xml><?xml version="1.0" encoding="utf-8"?>
+<p:notes xmlns:a="http://schemas.openxmlformats.org/drawingml/2006/main" xmlns:r="http://schemas.openxmlformats.org/officeDocument/2006/relationships" xmlns:p="http://schemas.openxmlformats.org/presentationml/2006/main">
+  <p:cSld>
+    <p:spTree>
+      <p:nvGrpSpPr>
+        <p:cNvPr id="1" name=""/>
+        <p:cNvGrpSpPr/>
+        <p:nvPr/>
+      </p:nvGrpSpPr>
+      <p:grpSpPr>
+        <a:xfrm>
+          <a:off x="0" y="0"/>
+          <a:ext cx="0" cy="0"/>
+          <a:chOff x="0" y="0"/>
+          <a:chExt cx="0" cy="0"/>
+        </a:xfrm>
+      </p:grpSpPr>
+      <p:sp>
+        <p:nvSpPr>
+          <p:cNvPr id="2" name="幻灯片图像占位符 1"/>
+          <p:cNvSpPr>
+            <a:spLocks noGrp="1" noRot="1" noChangeAspect="1"/>
+          </p:cNvSpPr>
+          <p:nvPr>
+            <p:ph type="sldImg"/>
+          </p:nvPr>
+        </p:nvSpPr>
+        <p:spPr/>
+      </p:sp>
+      <p:sp>
+        <p:nvSpPr>
+          <p:cNvPr id="3" name="备注占位符 2"/>
+          <p:cNvSpPr>
+            <a:spLocks noGrp="1"/>
+          </p:cNvSpPr>
+          <p:nvPr>
+            <p:ph type="body" idx="1"/>
+          </p:nvPr>
+        </p:nvSpPr>
+        <p:spPr/>
+        <p:txBody>
+          <a:bodyPr/>
+          <a:lstStyle/>
+          <a:p>
+            <a:endParaRPr lang="zh-CN" altLang="en-US" dirty="0"/>
+          </a:p>
+        </p:txBody>
+      </p:sp>
+    </p:spTree>
+    <p:extLst>
+      <p:ext uri="{BB962C8B-B14F-4D97-AF65-F5344CB8AC3E}">
+        <p14:creationId xmlns:p14="http://schemas.microsoft.com/office/powerpoint/2010/main" val="1952469384"/>
+      </p:ext>
+    </p:extLst>
+  </p:cSld>
+  <p:clrMapOvr>
+    <a:masterClrMapping/>
+  </p:clrMapOvr>
+</p:notes>
+</file>
+
+<file path=ppt/notesSlides/notesSlide4.xml><?xml version="1.0" encoding="utf-8"?>
 <p:notes xmlns:a="http://schemas.openxmlformats.org/drawingml/2006/main" xmlns:r="http://schemas.openxmlformats.org/officeDocument/2006/relationships" xmlns:p="http://schemas.openxmlformats.org/presentationml/2006/main">
   <p:cSld>
     <p:spTree>
@@ -1203,111 +1472,7 @@
 </p:notes>
 </file>
 
-<file path=ppt/notesSlides/notesSlide3.xml><?xml version="1.0" encoding="utf-8"?>
-<p:notes xmlns:a="http://schemas.openxmlformats.org/drawingml/2006/main" xmlns:r="http://schemas.openxmlformats.org/officeDocument/2006/relationships" xmlns:p="http://schemas.openxmlformats.org/presentationml/2006/main" showMasterSp="0" showMasterPhAnim="0">
-  <p:cSld>
-    <p:spTree>
-      <p:nvGrpSpPr>
-        <p:cNvPr id="1" name="Shape 149"/>
-        <p:cNvGrpSpPr/>
-        <p:nvPr/>
-      </p:nvGrpSpPr>
-      <p:grpSpPr>
-        <a:xfrm>
-          <a:off x="0" y="0"/>
-          <a:ext cx="0" cy="0"/>
-          <a:chOff x="0" y="0"/>
-          <a:chExt cx="0" cy="0"/>
-        </a:xfrm>
-      </p:grpSpPr>
-      <p:sp>
-        <p:nvSpPr>
-          <p:cNvPr id="150" name="Google Shape;150;g3606f1c2d_30:notes"/>
-          <p:cNvSpPr>
-            <a:spLocks noGrp="1" noRot="1" noChangeAspect="1"/>
-          </p:cNvSpPr>
-          <p:nvPr>
-            <p:ph type="sldImg" idx="2"/>
-          </p:nvPr>
-        </p:nvSpPr>
-        <p:spPr>
-          <a:xfrm>
-            <a:off x="381000" y="685800"/>
-            <a:ext cx="6096000" cy="3429000"/>
-          </a:xfrm>
-          <a:custGeom>
-            <a:avLst/>
-            <a:gdLst/>
-            <a:ahLst/>
-            <a:cxnLst/>
-            <a:rect l="l" t="t" r="r" b="b"/>
-            <a:pathLst>
-              <a:path w="120000" h="120000" extrusionOk="0">
-                <a:moveTo>
-                  <a:pt x="0" y="0"/>
-                </a:moveTo>
-                <a:lnTo>
-                  <a:pt x="120000" y="0"/>
-                </a:lnTo>
-                <a:lnTo>
-                  <a:pt x="120000" y="120000"/>
-                </a:lnTo>
-                <a:lnTo>
-                  <a:pt x="0" y="120000"/>
-                </a:lnTo>
-                <a:close/>
-              </a:path>
-            </a:pathLst>
-          </a:custGeom>
-        </p:spPr>
-      </p:sp>
-      <p:sp>
-        <p:nvSpPr>
-          <p:cNvPr id="151" name="Google Shape;151;g3606f1c2d_30:notes"/>
-          <p:cNvSpPr txBox="1">
-            <a:spLocks noGrp="1"/>
-          </p:cNvSpPr>
-          <p:nvPr>
-            <p:ph type="body" idx="1"/>
-          </p:nvPr>
-        </p:nvSpPr>
-        <p:spPr>
-          <a:xfrm>
-            <a:off x="685800" y="4343400"/>
-            <a:ext cx="5486400" cy="4114800"/>
-          </a:xfrm>
-          <a:prstGeom prst="rect">
-            <a:avLst/>
-          </a:prstGeom>
-        </p:spPr>
-        <p:txBody>
-          <a:bodyPr spcFirstLastPara="1" wrap="square" lIns="91425" tIns="91425" rIns="91425" bIns="91425" anchor="t" anchorCtr="0">
-            <a:noAutofit/>
-          </a:bodyPr>
-          <a:lstStyle/>
-          <a:p>
-            <a:pPr marL="0" lvl="0" indent="0" algn="l" rtl="0">
-              <a:spcBef>
-                <a:spcPts val="0"/>
-              </a:spcBef>
-              <a:spcAft>
-                <a:spcPts val="0"/>
-              </a:spcAft>
-              <a:buNone/>
-            </a:pPr>
-            <a:endParaRPr/>
-          </a:p>
-        </p:txBody>
-      </p:sp>
-    </p:spTree>
-  </p:cSld>
-  <p:clrMapOvr>
-    <a:masterClrMapping/>
-  </p:clrMapOvr>
-</p:notes>
-</file>
-
-<file path=ppt/notesSlides/notesSlide4.xml><?xml version="1.0" encoding="utf-8"?>
+<file path=ppt/notesSlides/notesSlide5.xml><?xml version="1.0" encoding="utf-8"?>
 <p:notes xmlns:a="http://schemas.openxmlformats.org/drawingml/2006/main" xmlns:r="http://schemas.openxmlformats.org/officeDocument/2006/relationships" xmlns:p="http://schemas.openxmlformats.org/presentationml/2006/main" showMasterSp="0" showMasterPhAnim="0">
   <p:cSld>
     <p:spTree>
@@ -1416,7 +1581,7 @@
 </p:notes>
 </file>
 
-<file path=ppt/notesSlides/notesSlide5.xml><?xml version="1.0" encoding="utf-8"?>
+<file path=ppt/notesSlides/notesSlide6.xml><?xml version="1.0" encoding="utf-8"?>
 <p:notes xmlns:a="http://schemas.openxmlformats.org/drawingml/2006/main" xmlns:r="http://schemas.openxmlformats.org/officeDocument/2006/relationships" xmlns:p="http://schemas.openxmlformats.org/presentationml/2006/main" showMasterSp="0" showMasterPhAnim="0">
   <p:cSld>
     <p:spTree>
@@ -1520,7 +1685,7 @@
 </p:notes>
 </file>
 
-<file path=ppt/notesSlides/notesSlide6.xml><?xml version="1.0" encoding="utf-8"?>
+<file path=ppt/notesSlides/notesSlide7.xml><?xml version="1.0" encoding="utf-8"?>
 <p:notes xmlns:a="http://schemas.openxmlformats.org/drawingml/2006/main" xmlns:r="http://schemas.openxmlformats.org/officeDocument/2006/relationships" xmlns:p="http://schemas.openxmlformats.org/presentationml/2006/main" showMasterSp="0" showMasterPhAnim="0">
   <p:cSld>
     <p:spTree>
@@ -1624,7 +1789,7 @@
 </p:notes>
 </file>
 
-<file path=ppt/notesSlides/notesSlide7.xml><?xml version="1.0" encoding="utf-8"?>
+<file path=ppt/notesSlides/notesSlide8.xml><?xml version="1.0" encoding="utf-8"?>
 <p:notes xmlns:a="http://schemas.openxmlformats.org/drawingml/2006/main" xmlns:r="http://schemas.openxmlformats.org/officeDocument/2006/relationships" xmlns:p="http://schemas.openxmlformats.org/presentationml/2006/main" showMasterSp="0" showMasterPhAnim="0">
   <p:cSld>
     <p:spTree>
@@ -1728,7 +1893,7 @@
 </p:notes>
 </file>
 
-<file path=ppt/notesSlides/notesSlide8.xml><?xml version="1.0" encoding="utf-8"?>
+<file path=ppt/notesSlides/notesSlide9.xml><?xml version="1.0" encoding="utf-8"?>
 <p:notes xmlns:a="http://schemas.openxmlformats.org/drawingml/2006/main" xmlns:r="http://schemas.openxmlformats.org/officeDocument/2006/relationships" xmlns:p="http://schemas.openxmlformats.org/presentationml/2006/main" showMasterSp="0" showMasterPhAnim="0">
   <p:cSld>
     <p:spTree>
@@ -1789,110 +1954,6 @@
       <p:sp>
         <p:nvSpPr>
           <p:cNvPr id="222" name="Google Shape;222;g35f391192_017:notes"/>
-          <p:cNvSpPr txBox="1">
-            <a:spLocks noGrp="1"/>
-          </p:cNvSpPr>
-          <p:nvPr>
-            <p:ph type="body" idx="1"/>
-          </p:nvPr>
-        </p:nvSpPr>
-        <p:spPr>
-          <a:xfrm>
-            <a:off x="685800" y="4343400"/>
-            <a:ext cx="5486400" cy="4114800"/>
-          </a:xfrm>
-          <a:prstGeom prst="rect">
-            <a:avLst/>
-          </a:prstGeom>
-        </p:spPr>
-        <p:txBody>
-          <a:bodyPr spcFirstLastPara="1" wrap="square" lIns="91425" tIns="91425" rIns="91425" bIns="91425" anchor="t" anchorCtr="0">
-            <a:noAutofit/>
-          </a:bodyPr>
-          <a:lstStyle/>
-          <a:p>
-            <a:pPr marL="0" lvl="0" indent="0" algn="l" rtl="0">
-              <a:spcBef>
-                <a:spcPts val="0"/>
-              </a:spcBef>
-              <a:spcAft>
-                <a:spcPts val="0"/>
-              </a:spcAft>
-              <a:buNone/>
-            </a:pPr>
-            <a:endParaRPr/>
-          </a:p>
-        </p:txBody>
-      </p:sp>
-    </p:spTree>
-  </p:cSld>
-  <p:clrMapOvr>
-    <a:masterClrMapping/>
-  </p:clrMapOvr>
-</p:notes>
-</file>
-
-<file path=ppt/notesSlides/notesSlide9.xml><?xml version="1.0" encoding="utf-8"?>
-<p:notes xmlns:a="http://schemas.openxmlformats.org/drawingml/2006/main" xmlns:r="http://schemas.openxmlformats.org/officeDocument/2006/relationships" xmlns:p="http://schemas.openxmlformats.org/presentationml/2006/main" showMasterSp="0" showMasterPhAnim="0">
-  <p:cSld>
-    <p:spTree>
-      <p:nvGrpSpPr>
-        <p:cNvPr id="1" name="Shape 234"/>
-        <p:cNvGrpSpPr/>
-        <p:nvPr/>
-      </p:nvGrpSpPr>
-      <p:grpSpPr>
-        <a:xfrm>
-          <a:off x="0" y="0"/>
-          <a:ext cx="0" cy="0"/>
-          <a:chOff x="0" y="0"/>
-          <a:chExt cx="0" cy="0"/>
-        </a:xfrm>
-      </p:grpSpPr>
-      <p:sp>
-        <p:nvSpPr>
-          <p:cNvPr id="235" name="Google Shape;235;g35f391192_045:notes"/>
-          <p:cNvSpPr>
-            <a:spLocks noGrp="1" noRot="1" noChangeAspect="1"/>
-          </p:cNvSpPr>
-          <p:nvPr>
-            <p:ph type="sldImg" idx="2"/>
-          </p:nvPr>
-        </p:nvSpPr>
-        <p:spPr>
-          <a:xfrm>
-            <a:off x="381000" y="685800"/>
-            <a:ext cx="6096000" cy="3429000"/>
-          </a:xfrm>
-          <a:custGeom>
-            <a:avLst/>
-            <a:gdLst/>
-            <a:ahLst/>
-            <a:cxnLst/>
-            <a:rect l="l" t="t" r="r" b="b"/>
-            <a:pathLst>
-              <a:path w="120000" h="120000" extrusionOk="0">
-                <a:moveTo>
-                  <a:pt x="0" y="0"/>
-                </a:moveTo>
-                <a:lnTo>
-                  <a:pt x="120000" y="0"/>
-                </a:lnTo>
-                <a:lnTo>
-                  <a:pt x="120000" y="120000"/>
-                </a:lnTo>
-                <a:lnTo>
-                  <a:pt x="0" y="120000"/>
-                </a:lnTo>
-                <a:close/>
-              </a:path>
-            </a:pathLst>
-          </a:custGeom>
-        </p:spPr>
-      </p:sp>
-      <p:sp>
-        <p:nvSpPr>
-          <p:cNvPr id="236" name="Google Shape;236;g35f391192_045:notes"/>
           <p:cNvSpPr txBox="1">
             <a:spLocks noGrp="1"/>
           </p:cNvSpPr>
@@ -8949,13 +9010,13 @@
   <p:clrMapOvr>
     <a:masterClrMapping/>
   </p:clrMapOvr>
-  <mc:AlternateContent xmlns:mc="http://schemas.openxmlformats.org/markup-compatibility/2006">
-    <mc:Choice xmlns:p15="http://schemas.microsoft.com/office/powerpoint/2012/main" Requires="p15">
+  <mc:AlternateContent xmlns:mc="http://schemas.openxmlformats.org/markup-compatibility/2006" xmlns:p15="http://schemas.microsoft.com/office/powerpoint/2012/main">
+    <mc:Choice Requires="p15">
       <p:transition xmlns:p14="http://schemas.microsoft.com/office/powerpoint/2010/main" spd="slow" p14:dur="2000">
         <p15:prstTrans prst="drape"/>
       </p:transition>
     </mc:Choice>
-    <mc:Fallback>
+    <mc:Fallback xmlns="">
       <p:transition spd="slow">
         <p:fade/>
       </p:transition>
@@ -9000,8 +9061,8 @@
         </p:nvSpPr>
         <p:spPr>
           <a:xfrm>
-            <a:off x="2792301" y="793761"/>
-            <a:ext cx="4608000" cy="1159800"/>
+            <a:off x="3105999" y="1915070"/>
+            <a:ext cx="3174660" cy="1159800"/>
           </a:xfrm>
           <a:prstGeom prst="rect">
             <a:avLst/>
@@ -9023,62 +9084,41 @@
               <a:buNone/>
             </a:pPr>
             <a:r>
-              <a:rPr lang="en" sz="5400" dirty="0" smtClean="0"/>
+              <a:rPr lang="en" sz="5400" b="0" dirty="0" smtClean="0">
+                <a:solidFill>
+                  <a:schemeClr val="tx1"/>
+                </a:solidFill>
+                <a:latin typeface="+mj-lt"/>
+                <a:hlinkClick r:id="rId3"/>
+              </a:rPr>
               <a:t>F</a:t>
             </a:r>
             <a:r>
-              <a:rPr lang="en-US" altLang="zh-CN" sz="5400" dirty="0" smtClean="0"/>
+              <a:rPr lang="en-US" altLang="zh-CN" sz="5400" b="0" dirty="0" smtClean="0">
+                <a:solidFill>
+                  <a:schemeClr val="tx1"/>
+                </a:solidFill>
+                <a:latin typeface="+mj-lt"/>
+                <a:hlinkClick r:id="rId3"/>
+              </a:rPr>
               <a:t>unction</a:t>
             </a:r>
             <a:r>
-              <a:rPr lang="en" sz="5400" dirty="0" smtClean="0"/>
+              <a:rPr lang="en" sz="5400" b="0" dirty="0" smtClean="0">
+                <a:solidFill>
+                  <a:schemeClr val="tx1"/>
+                </a:solidFill>
+                <a:latin typeface="+mj-lt"/>
+                <a:hlinkClick r:id="rId3"/>
+              </a:rPr>
               <a:t>!</a:t>
             </a:r>
-            <a:endParaRPr sz="5400" dirty="0"/>
-          </a:p>
-        </p:txBody>
-      </p:sp>
-      <p:sp>
-        <p:nvSpPr>
-          <p:cNvPr id="168" name="Google Shape;168;p16"/>
-          <p:cNvSpPr txBox="1">
-            <a:spLocks noGrp="1"/>
-          </p:cNvSpPr>
-          <p:nvPr>
-            <p:ph type="subTitle" idx="4294967295"/>
-          </p:nvPr>
-        </p:nvSpPr>
-        <p:spPr>
-          <a:xfrm>
-            <a:off x="563047" y="2859904"/>
-            <a:ext cx="4608000" cy="1778700"/>
-          </a:xfrm>
-          <a:prstGeom prst="rect">
-            <a:avLst/>
-          </a:prstGeom>
-        </p:spPr>
-        <p:txBody>
-          <a:bodyPr spcFirstLastPara="1" wrap="square" lIns="91425" tIns="91425" rIns="91425" bIns="91425" anchor="t" anchorCtr="0">
-            <a:noAutofit/>
-          </a:bodyPr>
-          <a:lstStyle/>
-          <a:p>
-            <a:pPr marL="0" lvl="0" indent="0" algn="l" rtl="0">
-              <a:spcBef>
-                <a:spcPts val="600"/>
-              </a:spcBef>
-              <a:spcAft>
-                <a:spcPts val="0"/>
-              </a:spcAft>
-              <a:buNone/>
-            </a:pPr>
-            <a:r>
-              <a:rPr lang="en-US" b="1" dirty="0" smtClean="0">
-                <a:hlinkClick r:id="rId3"/>
-              </a:rPr>
-              <a:t>https://wbs306.github.io/UMKC_SummerProgram/</a:t>
-            </a:r>
-            <a:endParaRPr b="1" dirty="0"/>
+            <a:endParaRPr sz="5400" b="0" dirty="0">
+              <a:solidFill>
+                <a:schemeClr val="tx1"/>
+              </a:solidFill>
+              <a:latin typeface="+mj-lt"/>
+            </a:endParaRPr>
           </a:p>
         </p:txBody>
       </p:sp>
@@ -10255,30 +10295,6 @@
           <a:chExt cx="0" cy="0"/>
         </a:xfrm>
       </p:grpSpPr>
-      <p:pic>
-        <p:nvPicPr>
-          <p:cNvPr id="6" name="图片 5"/>
-          <p:cNvPicPr>
-            <a:picLocks noChangeAspect="1"/>
-          </p:cNvPicPr>
-          <p:nvPr/>
-        </p:nvPicPr>
-        <p:blipFill>
-          <a:blip r:embed="rId3"/>
-          <a:stretch>
-            <a:fillRect/>
-          </a:stretch>
-        </p:blipFill>
-        <p:spPr>
-          <a:xfrm>
-            <a:off x="405481" y="2035707"/>
-            <a:ext cx="5188094" cy="2818110"/>
-          </a:xfrm>
-          <a:prstGeom prst="rect">
-            <a:avLst/>
-          </a:prstGeom>
-        </p:spPr>
-      </p:pic>
       <p:sp>
         <p:nvSpPr>
           <p:cNvPr id="227" name="Google Shape;227;p21"/>
@@ -10328,7 +10344,7 @@
           <p:nvPr/>
         </p:nvPicPr>
         <p:blipFill rotWithShape="1">
-          <a:blip r:embed="rId4">
+          <a:blip r:embed="rId3">
             <a:alphaModFix/>
           </a:blip>
           <a:srcRect/>
@@ -11615,18 +11631,42 @@
           </a:p>
         </p:txBody>
       </p:sp>
+      <p:pic>
+        <p:nvPicPr>
+          <p:cNvPr id="4" name="图片 3"/>
+          <p:cNvPicPr>
+            <a:picLocks noChangeAspect="1"/>
+          </p:cNvPicPr>
+          <p:nvPr/>
+        </p:nvPicPr>
+        <p:blipFill>
+          <a:blip r:embed="rId4"/>
+          <a:stretch>
+            <a:fillRect/>
+          </a:stretch>
+        </p:blipFill>
+        <p:spPr>
+          <a:xfrm>
+            <a:off x="312244" y="1774988"/>
+            <a:ext cx="5271038" cy="3010593"/>
+          </a:xfrm>
+          <a:prstGeom prst="rect">
+            <a:avLst/>
+          </a:prstGeom>
+        </p:spPr>
+      </p:pic>
     </p:spTree>
   </p:cSld>
   <p:clrMapOvr>
     <a:masterClrMapping/>
   </p:clrMapOvr>
-  <mc:AlternateContent xmlns:mc="http://schemas.openxmlformats.org/markup-compatibility/2006">
-    <mc:Choice xmlns:p14="http://schemas.microsoft.com/office/powerpoint/2010/main" Requires="p14">
+  <mc:AlternateContent xmlns:mc="http://schemas.openxmlformats.org/markup-compatibility/2006" xmlns:p14="http://schemas.microsoft.com/office/powerpoint/2010/main">
+    <mc:Choice Requires="p14">
       <p:transition spd="slow" p14:dur="1400">
         <p14:doors dir="vert"/>
       </p:transition>
     </mc:Choice>
-    <mc:Fallback>
+    <mc:Fallback xmlns="">
       <p:transition spd="slow">
         <p:fade/>
       </p:transition>
@@ -13727,13 +13767,13 @@
   <p:clrMapOvr>
     <a:masterClrMapping/>
   </p:clrMapOvr>
-  <mc:AlternateContent xmlns:mc="http://schemas.openxmlformats.org/markup-compatibility/2006">
-    <mc:Choice xmlns:p14="http://schemas.microsoft.com/office/powerpoint/2010/main" Requires="p14">
+  <mc:AlternateContent xmlns:mc="http://schemas.openxmlformats.org/markup-compatibility/2006" xmlns:p14="http://schemas.microsoft.com/office/powerpoint/2010/main">
+    <mc:Choice Requires="p14">
       <p:transition spd="slow" p14:dur="1200">
         <p14:prism/>
       </p:transition>
     </mc:Choice>
-    <mc:Fallback>
+    <mc:Fallback xmlns="">
       <p:transition spd="slow">
         <p:fade/>
       </p:transition>
@@ -13878,13 +13918,13 @@
   <p:clrMapOvr>
     <a:masterClrMapping/>
   </p:clrMapOvr>
-  <mc:AlternateContent xmlns:mc="http://schemas.openxmlformats.org/markup-compatibility/2006">
-    <mc:Choice xmlns:p14="http://schemas.microsoft.com/office/powerpoint/2010/main" Requires="p14">
+  <mc:AlternateContent xmlns:mc="http://schemas.openxmlformats.org/markup-compatibility/2006" xmlns:p14="http://schemas.microsoft.com/office/powerpoint/2010/main">
+    <mc:Choice Requires="p14">
       <p:transition spd="slow" p14:dur="1600">
         <p14:prism isInverted="1"/>
       </p:transition>
     </mc:Choice>
-    <mc:Fallback>
+    <mc:Fallback xmlns="">
       <p:transition spd="slow">
         <p:fade/>
       </p:transition>
@@ -15362,13 +15402,13 @@
   <p:clrMapOvr>
     <a:masterClrMapping/>
   </p:clrMapOvr>
-  <mc:AlternateContent xmlns:mc="http://schemas.openxmlformats.org/markup-compatibility/2006">
-    <mc:Choice xmlns:p14="http://schemas.microsoft.com/office/powerpoint/2010/main" Requires="p14">
+  <mc:AlternateContent xmlns:mc="http://schemas.openxmlformats.org/markup-compatibility/2006" xmlns:p14="http://schemas.microsoft.com/office/powerpoint/2010/main">
+    <mc:Choice Requires="p14">
       <p:transition spd="slow" p14:dur="1600">
         <p14:prism isContent="1" isInverted="1"/>
       </p:transition>
     </mc:Choice>
-    <mc:Fallback>
+    <mc:Fallback xmlns="">
       <p:transition spd="slow">
         <p:fade/>
       </p:transition>
@@ -16229,7 +16269,7 @@
                   <a:prstDash val="solid"/>
                 </a:ln>
                 <a:solidFill>
-                  <a:srgbClr val="FFFFFF"/>
+                  <a:schemeClr val="bg1"/>
                 </a:solidFill>
                 <a:effectLst>
                   <a:outerShdw dist="38100" dir="2700000" algn="tl" rotWithShape="0">
@@ -16249,7 +16289,7 @@
                 <a:prstDash val="solid"/>
               </a:ln>
               <a:solidFill>
-                <a:srgbClr val="FFFFFF"/>
+                <a:schemeClr val="bg1"/>
               </a:solidFill>
               <a:effectLst>
                 <a:outerShdw dist="38100" dir="2700000" algn="tl" rotWithShape="0">
@@ -16434,13 +16474,13 @@
   <p:clrMapOvr>
     <a:masterClrMapping/>
   </p:clrMapOvr>
-  <mc:AlternateContent xmlns:mc="http://schemas.openxmlformats.org/markup-compatibility/2006">
-    <mc:Choice xmlns:p14="http://schemas.microsoft.com/office/powerpoint/2010/main" Requires="p14">
+  <mc:AlternateContent xmlns:mc="http://schemas.openxmlformats.org/markup-compatibility/2006" xmlns:p14="http://schemas.microsoft.com/office/powerpoint/2010/main">
+    <mc:Choice Requires="p14">
       <p:transition spd="slow" p14:dur="1600">
         <p14:gallery dir="l"/>
       </p:transition>
     </mc:Choice>
-    <mc:Fallback>
+    <mc:Fallback xmlns="">
       <p:transition spd="slow">
         <p:fade/>
       </p:transition>
@@ -16638,688 +16678,6 @@
 </file>
 
 <file path=ppt/slides/slide4.xml><?xml version="1.0" encoding="utf-8"?>
-<p:sld xmlns:a="http://schemas.openxmlformats.org/drawingml/2006/main" xmlns:r="http://schemas.openxmlformats.org/officeDocument/2006/relationships" xmlns:p="http://schemas.openxmlformats.org/presentationml/2006/main">
-  <p:cSld>
-    <p:spTree>
-      <p:nvGrpSpPr>
-        <p:cNvPr id="1" name=""/>
-        <p:cNvGrpSpPr/>
-        <p:nvPr/>
-      </p:nvGrpSpPr>
-      <p:grpSpPr>
-        <a:xfrm>
-          <a:off x="0" y="0"/>
-          <a:ext cx="0" cy="0"/>
-          <a:chOff x="0" y="0"/>
-          <a:chExt cx="0" cy="0"/>
-        </a:xfrm>
-      </p:grpSpPr>
-      <p:pic>
-        <p:nvPicPr>
-          <p:cNvPr id="4" name="图片 3"/>
-          <p:cNvPicPr>
-            <a:picLocks noChangeAspect="1"/>
-          </p:cNvPicPr>
-          <p:nvPr/>
-        </p:nvPicPr>
-        <p:blipFill>
-          <a:blip r:embed="rId2"/>
-          <a:stretch>
-            <a:fillRect/>
-          </a:stretch>
-        </p:blipFill>
-        <p:spPr>
-          <a:xfrm>
-            <a:off x="2374586" y="73419"/>
-            <a:ext cx="3095780" cy="4730197"/>
-          </a:xfrm>
-          <a:prstGeom prst="rect">
-            <a:avLst/>
-          </a:prstGeom>
-        </p:spPr>
-      </p:pic>
-      <p:sp>
-        <p:nvSpPr>
-          <p:cNvPr id="6" name="文本框 5"/>
-          <p:cNvSpPr txBox="1"/>
-          <p:nvPr/>
-        </p:nvSpPr>
-        <p:spPr>
-          <a:xfrm>
-            <a:off x="220258" y="493909"/>
-            <a:ext cx="2274469" cy="461665"/>
-          </a:xfrm>
-          <a:prstGeom prst="rect">
-            <a:avLst/>
-          </a:prstGeom>
-          <a:noFill/>
-        </p:spPr>
-        <p:txBody>
-          <a:bodyPr wrap="square" rtlCol="0">
-            <a:spAutoFit/>
-          </a:bodyPr>
-          <a:lstStyle/>
-          <a:p>
-            <a:r>
-              <a:rPr lang="en-US" altLang="zh-CN" sz="2400" dirty="0"/>
-              <a:t>S</a:t>
-            </a:r>
-            <a:r>
-              <a:rPr lang="en-US" altLang="zh-CN" sz="2400" dirty="0" smtClean="0"/>
-              <a:t>oda </a:t>
-            </a:r>
-            <a:r>
-              <a:rPr lang="en-US" altLang="zh-CN" sz="2400" dirty="0"/>
-              <a:t>F</a:t>
-            </a:r>
-            <a:r>
-              <a:rPr lang="en-US" altLang="zh-CN" sz="2400" dirty="0" smtClean="0"/>
-              <a:t>ountain</a:t>
-            </a:r>
-            <a:endParaRPr lang="zh-CN" altLang="en-US" sz="2400" dirty="0"/>
-          </a:p>
-        </p:txBody>
-      </p:sp>
-    </p:spTree>
-    <p:extLst>
-      <p:ext uri="{BB962C8B-B14F-4D97-AF65-F5344CB8AC3E}">
-        <p14:creationId xmlns:p14="http://schemas.microsoft.com/office/powerpoint/2010/main" val="3230243041"/>
-      </p:ext>
-    </p:extLst>
-  </p:cSld>
-  <p:clrMapOvr>
-    <a:masterClrMapping/>
-  </p:clrMapOvr>
-  <mc:AlternateContent xmlns:mc="http://schemas.openxmlformats.org/markup-compatibility/2006">
-    <mc:Choice xmlns:p15="http://schemas.microsoft.com/office/powerpoint/2012/main" Requires="p15">
-      <p:transition xmlns:p14="http://schemas.microsoft.com/office/powerpoint/2010/main" spd="slow" p14:dur="2000">
-        <p15:prstTrans prst="fallOver"/>
-      </p:transition>
-    </mc:Choice>
-    <mc:Fallback>
-      <p:transition spd="slow">
-        <p:fade/>
-      </p:transition>
-    </mc:Fallback>
-  </mc:AlternateContent>
-  <p:timing>
-    <p:tnLst>
-      <p:par>
-        <p:cTn id="1" dur="indefinite" restart="never" nodeType="tmRoot">
-          <p:childTnLst>
-            <p:seq concurrent="1" nextAc="seek">
-              <p:cTn id="2" dur="indefinite" nodeType="mainSeq">
-                <p:childTnLst>
-                  <p:par>
-                    <p:cTn id="3" fill="hold">
-                      <p:stCondLst>
-                        <p:cond delay="indefinite"/>
-                      </p:stCondLst>
-                      <p:childTnLst>
-                        <p:par>
-                          <p:cTn id="4" fill="hold">
-                            <p:stCondLst>
-                              <p:cond delay="0"/>
-                            </p:stCondLst>
-                            <p:childTnLst>
-                              <p:par>
-                                <p:cTn id="5" presetID="16" presetClass="entr" presetSubtype="21" fill="hold" nodeType="clickEffect">
-                                  <p:stCondLst>
-                                    <p:cond delay="0"/>
-                                  </p:stCondLst>
-                                  <p:childTnLst>
-                                    <p:set>
-                                      <p:cBhvr>
-                                        <p:cTn id="6" dur="1" fill="hold">
-                                          <p:stCondLst>
-                                            <p:cond delay="0"/>
-                                          </p:stCondLst>
-                                        </p:cTn>
-                                        <p:tgtEl>
-                                          <p:spTgt spid="4"/>
-                                        </p:tgtEl>
-                                        <p:attrNameLst>
-                                          <p:attrName>style.visibility</p:attrName>
-                                        </p:attrNameLst>
-                                      </p:cBhvr>
-                                      <p:to>
-                                        <p:strVal val="visible"/>
-                                      </p:to>
-                                    </p:set>
-                                    <p:animEffect transition="in" filter="barn(inVertical)">
-                                      <p:cBhvr>
-                                        <p:cTn id="7" dur="500"/>
-                                        <p:tgtEl>
-                                          <p:spTgt spid="4"/>
-                                        </p:tgtEl>
-                                      </p:cBhvr>
-                                    </p:animEffect>
-                                  </p:childTnLst>
-                                </p:cTn>
-                              </p:par>
-                            </p:childTnLst>
-                          </p:cTn>
-                        </p:par>
-                      </p:childTnLst>
-                    </p:cTn>
-                  </p:par>
-                </p:childTnLst>
-              </p:cTn>
-              <p:prevCondLst>
-                <p:cond evt="onPrev" delay="0">
-                  <p:tgtEl>
-                    <p:sldTgt/>
-                  </p:tgtEl>
-                </p:cond>
-              </p:prevCondLst>
-              <p:nextCondLst>
-                <p:cond evt="onNext" delay="0">
-                  <p:tgtEl>
-                    <p:sldTgt/>
-                  </p:tgtEl>
-                </p:cond>
-              </p:nextCondLst>
-            </p:seq>
-          </p:childTnLst>
-        </p:cTn>
-      </p:par>
-    </p:tnLst>
-  </p:timing>
-</p:sld>
-</file>
-
-<file path=ppt/slides/slide5.xml><?xml version="1.0" encoding="utf-8"?>
-<p:sld xmlns:a="http://schemas.openxmlformats.org/drawingml/2006/main" xmlns:r="http://schemas.openxmlformats.org/officeDocument/2006/relationships" xmlns:p="http://schemas.openxmlformats.org/presentationml/2006/main">
-  <p:cSld>
-    <p:spTree>
-      <p:nvGrpSpPr>
-        <p:cNvPr id="1" name=""/>
-        <p:cNvGrpSpPr/>
-        <p:nvPr/>
-      </p:nvGrpSpPr>
-      <p:grpSpPr>
-        <a:xfrm>
-          <a:off x="0" y="0"/>
-          <a:ext cx="0" cy="0"/>
-          <a:chOff x="0" y="0"/>
-          <a:chExt cx="0" cy="0"/>
-        </a:xfrm>
-      </p:grpSpPr>
-      <p:pic>
-        <p:nvPicPr>
-          <p:cNvPr id="9" name="图片 8"/>
-          <p:cNvPicPr>
-            <a:picLocks noChangeAspect="1"/>
-          </p:cNvPicPr>
-          <p:nvPr/>
-        </p:nvPicPr>
-        <p:blipFill>
-          <a:blip r:embed="rId3"/>
-          <a:stretch>
-            <a:fillRect/>
-          </a:stretch>
-        </p:blipFill>
-        <p:spPr>
-          <a:xfrm>
-            <a:off x="86768" y="0"/>
-            <a:ext cx="2117744" cy="3245176"/>
-          </a:xfrm>
-          <a:prstGeom prst="rect">
-            <a:avLst/>
-          </a:prstGeom>
-        </p:spPr>
-      </p:pic>
-      <p:pic>
-        <p:nvPicPr>
-          <p:cNvPr id="10" name="图片 9"/>
-          <p:cNvPicPr>
-            <a:picLocks noChangeAspect="1"/>
-          </p:cNvPicPr>
-          <p:nvPr/>
-        </p:nvPicPr>
-        <p:blipFill>
-          <a:blip r:embed="rId4"/>
-          <a:stretch>
-            <a:fillRect/>
-          </a:stretch>
-        </p:blipFill>
-        <p:spPr>
-          <a:xfrm>
-            <a:off x="2894744" y="998665"/>
-            <a:ext cx="2619749" cy="4098114"/>
-          </a:xfrm>
-          <a:prstGeom prst="rect">
-            <a:avLst/>
-          </a:prstGeom>
-        </p:spPr>
-      </p:pic>
-      <p:pic>
-        <p:nvPicPr>
-          <p:cNvPr id="11" name="图片 10"/>
-          <p:cNvPicPr>
-            <a:picLocks noChangeAspect="1"/>
-          </p:cNvPicPr>
-          <p:nvPr/>
-        </p:nvPicPr>
-        <p:blipFill>
-          <a:blip r:embed="rId5"/>
-          <a:stretch>
-            <a:fillRect/>
-          </a:stretch>
-        </p:blipFill>
-        <p:spPr>
-          <a:xfrm>
-            <a:off x="6639630" y="0"/>
-            <a:ext cx="2312380" cy="3814067"/>
-          </a:xfrm>
-          <a:prstGeom prst="rect">
-            <a:avLst/>
-          </a:prstGeom>
-        </p:spPr>
-      </p:pic>
-      <p:sp>
-        <p:nvSpPr>
-          <p:cNvPr id="12" name="右箭头 11"/>
-          <p:cNvSpPr/>
-          <p:nvPr/>
-        </p:nvSpPr>
-        <p:spPr>
-          <a:xfrm>
-            <a:off x="2102453" y="2549641"/>
-            <a:ext cx="700817" cy="393793"/>
-          </a:xfrm>
-          <a:prstGeom prst="rightArrow">
-            <a:avLst/>
-          </a:prstGeom>
-        </p:spPr>
-        <p:style>
-          <a:lnRef idx="2">
-            <a:schemeClr val="accent4"/>
-          </a:lnRef>
-          <a:fillRef idx="1">
-            <a:schemeClr val="lt1"/>
-          </a:fillRef>
-          <a:effectRef idx="0">
-            <a:schemeClr val="accent4"/>
-          </a:effectRef>
-          <a:fontRef idx="minor">
-            <a:schemeClr val="dk1"/>
-          </a:fontRef>
-        </p:style>
-        <p:txBody>
-          <a:bodyPr rtlCol="0" anchor="ctr"/>
-          <a:lstStyle/>
-          <a:p>
-            <a:pPr algn="ctr"/>
-            <a:endParaRPr lang="zh-CN" altLang="en-US"/>
-          </a:p>
-        </p:txBody>
-      </p:sp>
-      <p:sp>
-        <p:nvSpPr>
-          <p:cNvPr id="13" name="右箭头 12"/>
-          <p:cNvSpPr/>
-          <p:nvPr/>
-        </p:nvSpPr>
-        <p:spPr>
-          <a:xfrm rot="19631252">
-            <a:off x="5656756" y="2178034"/>
-            <a:ext cx="700817" cy="393793"/>
-          </a:xfrm>
-          <a:prstGeom prst="rightArrow">
-            <a:avLst/>
-          </a:prstGeom>
-        </p:spPr>
-        <p:style>
-          <a:lnRef idx="2">
-            <a:schemeClr val="accent4"/>
-          </a:lnRef>
-          <a:fillRef idx="1">
-            <a:schemeClr val="lt1"/>
-          </a:fillRef>
-          <a:effectRef idx="0">
-            <a:schemeClr val="accent4"/>
-          </a:effectRef>
-          <a:fontRef idx="minor">
-            <a:schemeClr val="dk1"/>
-          </a:fontRef>
-        </p:style>
-        <p:txBody>
-          <a:bodyPr rtlCol="0" anchor="ctr"/>
-          <a:lstStyle/>
-          <a:p>
-            <a:pPr algn="ctr"/>
-            <a:endParaRPr lang="zh-CN" altLang="en-US"/>
-          </a:p>
-        </p:txBody>
-      </p:sp>
-    </p:spTree>
-    <p:extLst>
-      <p:ext uri="{BB962C8B-B14F-4D97-AF65-F5344CB8AC3E}">
-        <p14:creationId xmlns:p14="http://schemas.microsoft.com/office/powerpoint/2010/main" val="1975906056"/>
-      </p:ext>
-    </p:extLst>
-  </p:cSld>
-  <p:clrMapOvr>
-    <a:masterClrMapping/>
-  </p:clrMapOvr>
-  <p:transition spd="med">
-    <p:pull/>
-  </p:transition>
-  <p:timing>
-    <p:tnLst>
-      <p:par>
-        <p:cTn id="1" dur="indefinite" restart="never" nodeType="tmRoot">
-          <p:childTnLst>
-            <p:seq concurrent="1" nextAc="seek">
-              <p:cTn id="2" dur="indefinite" nodeType="mainSeq">
-                <p:childTnLst>
-                  <p:par>
-                    <p:cTn id="3" fill="hold">
-                      <p:stCondLst>
-                        <p:cond delay="indefinite"/>
-                      </p:stCondLst>
-                      <p:childTnLst>
-                        <p:par>
-                          <p:cTn id="4" fill="hold">
-                            <p:stCondLst>
-                              <p:cond delay="0"/>
-                            </p:stCondLst>
-                            <p:childTnLst>
-                              <p:par>
-                                <p:cTn id="5" presetID="1" presetClass="entr" presetSubtype="0" fill="hold" grpId="0" nodeType="clickEffect">
-                                  <p:stCondLst>
-                                    <p:cond delay="0"/>
-                                  </p:stCondLst>
-                                  <p:childTnLst>
-                                    <p:set>
-                                      <p:cBhvr>
-                                        <p:cTn id="6" dur="1" fill="hold">
-                                          <p:stCondLst>
-                                            <p:cond delay="0"/>
-                                          </p:stCondLst>
-                                        </p:cTn>
-                                        <p:tgtEl>
-                                          <p:spTgt spid="12"/>
-                                        </p:tgtEl>
-                                        <p:attrNameLst>
-                                          <p:attrName>style.visibility</p:attrName>
-                                        </p:attrNameLst>
-                                      </p:cBhvr>
-                                      <p:to>
-                                        <p:strVal val="visible"/>
-                                      </p:to>
-                                    </p:set>
-                                  </p:childTnLst>
-                                </p:cTn>
-                              </p:par>
-                            </p:childTnLst>
-                          </p:cTn>
-                        </p:par>
-                      </p:childTnLst>
-                    </p:cTn>
-                  </p:par>
-                  <p:par>
-                    <p:cTn id="7" fill="hold">
-                      <p:stCondLst>
-                        <p:cond delay="indefinite"/>
-                      </p:stCondLst>
-                      <p:childTnLst>
-                        <p:par>
-                          <p:cTn id="8" fill="hold">
-                            <p:stCondLst>
-                              <p:cond delay="0"/>
-                            </p:stCondLst>
-                            <p:childTnLst>
-                              <p:par>
-                                <p:cTn id="9" presetID="1" presetClass="entr" presetSubtype="0" fill="hold" nodeType="clickEffect">
-                                  <p:stCondLst>
-                                    <p:cond delay="0"/>
-                                  </p:stCondLst>
-                                  <p:childTnLst>
-                                    <p:set>
-                                      <p:cBhvr>
-                                        <p:cTn id="10" dur="1" fill="hold">
-                                          <p:stCondLst>
-                                            <p:cond delay="0"/>
-                                          </p:stCondLst>
-                                        </p:cTn>
-                                        <p:tgtEl>
-                                          <p:spTgt spid="10"/>
-                                        </p:tgtEl>
-                                        <p:attrNameLst>
-                                          <p:attrName>style.visibility</p:attrName>
-                                        </p:attrNameLst>
-                                      </p:cBhvr>
-                                      <p:to>
-                                        <p:strVal val="visible"/>
-                                      </p:to>
-                                    </p:set>
-                                  </p:childTnLst>
-                                </p:cTn>
-                              </p:par>
-                            </p:childTnLst>
-                          </p:cTn>
-                        </p:par>
-                      </p:childTnLst>
-                    </p:cTn>
-                  </p:par>
-                  <p:par>
-                    <p:cTn id="11" fill="hold">
-                      <p:stCondLst>
-                        <p:cond delay="indefinite"/>
-                      </p:stCondLst>
-                      <p:childTnLst>
-                        <p:par>
-                          <p:cTn id="12" fill="hold">
-                            <p:stCondLst>
-                              <p:cond delay="0"/>
-                            </p:stCondLst>
-                            <p:childTnLst>
-                              <p:par>
-                                <p:cTn id="13" presetID="1" presetClass="entr" presetSubtype="0" fill="hold" grpId="0" nodeType="clickEffect">
-                                  <p:stCondLst>
-                                    <p:cond delay="0"/>
-                                  </p:stCondLst>
-                                  <p:childTnLst>
-                                    <p:set>
-                                      <p:cBhvr>
-                                        <p:cTn id="14" dur="1" fill="hold">
-                                          <p:stCondLst>
-                                            <p:cond delay="0"/>
-                                          </p:stCondLst>
-                                        </p:cTn>
-                                        <p:tgtEl>
-                                          <p:spTgt spid="13"/>
-                                        </p:tgtEl>
-                                        <p:attrNameLst>
-                                          <p:attrName>style.visibility</p:attrName>
-                                        </p:attrNameLst>
-                                      </p:cBhvr>
-                                      <p:to>
-                                        <p:strVal val="visible"/>
-                                      </p:to>
-                                    </p:set>
-                                  </p:childTnLst>
-                                </p:cTn>
-                              </p:par>
-                            </p:childTnLst>
-                          </p:cTn>
-                        </p:par>
-                      </p:childTnLst>
-                    </p:cTn>
-                  </p:par>
-                  <p:par>
-                    <p:cTn id="15" fill="hold">
-                      <p:stCondLst>
-                        <p:cond delay="indefinite"/>
-                      </p:stCondLst>
-                      <p:childTnLst>
-                        <p:par>
-                          <p:cTn id="16" fill="hold">
-                            <p:stCondLst>
-                              <p:cond delay="0"/>
-                            </p:stCondLst>
-                            <p:childTnLst>
-                              <p:par>
-                                <p:cTn id="17" presetID="1" presetClass="entr" presetSubtype="0" fill="hold" nodeType="clickEffect">
-                                  <p:stCondLst>
-                                    <p:cond delay="0"/>
-                                  </p:stCondLst>
-                                  <p:childTnLst>
-                                    <p:set>
-                                      <p:cBhvr>
-                                        <p:cTn id="18" dur="1" fill="hold">
-                                          <p:stCondLst>
-                                            <p:cond delay="0"/>
-                                          </p:stCondLst>
-                                        </p:cTn>
-                                        <p:tgtEl>
-                                          <p:spTgt spid="11"/>
-                                        </p:tgtEl>
-                                        <p:attrNameLst>
-                                          <p:attrName>style.visibility</p:attrName>
-                                        </p:attrNameLst>
-                                      </p:cBhvr>
-                                      <p:to>
-                                        <p:strVal val="visible"/>
-                                      </p:to>
-                                    </p:set>
-                                  </p:childTnLst>
-                                </p:cTn>
-                              </p:par>
-                            </p:childTnLst>
-                          </p:cTn>
-                        </p:par>
-                      </p:childTnLst>
-                    </p:cTn>
-                  </p:par>
-                </p:childTnLst>
-              </p:cTn>
-              <p:prevCondLst>
-                <p:cond evt="onPrev" delay="0">
-                  <p:tgtEl>
-                    <p:sldTgt/>
-                  </p:tgtEl>
-                </p:cond>
-              </p:prevCondLst>
-              <p:nextCondLst>
-                <p:cond evt="onNext" delay="0">
-                  <p:tgtEl>
-                    <p:sldTgt/>
-                  </p:tgtEl>
-                </p:cond>
-              </p:nextCondLst>
-            </p:seq>
-          </p:childTnLst>
-        </p:cTn>
-      </p:par>
-    </p:tnLst>
-    <p:bldLst>
-      <p:bldP spid="12" grpId="0" animBg="1"/>
-      <p:bldP spid="13" grpId="0" animBg="1"/>
-    </p:bldLst>
-  </p:timing>
-</p:sld>
-</file>
-
-<file path=ppt/slides/slide6.xml><?xml version="1.0" encoding="utf-8"?>
-<p:sld xmlns:a="http://schemas.openxmlformats.org/drawingml/2006/main" xmlns:r="http://schemas.openxmlformats.org/officeDocument/2006/relationships" xmlns:p="http://schemas.openxmlformats.org/presentationml/2006/main">
-  <p:cSld>
-    <p:spTree>
-      <p:nvGrpSpPr>
-        <p:cNvPr id="1" name=""/>
-        <p:cNvGrpSpPr/>
-        <p:nvPr/>
-      </p:nvGrpSpPr>
-      <p:grpSpPr>
-        <a:xfrm>
-          <a:off x="0" y="0"/>
-          <a:ext cx="0" cy="0"/>
-          <a:chOff x="0" y="0"/>
-          <a:chExt cx="0" cy="0"/>
-        </a:xfrm>
-      </p:grpSpPr>
-      <p:sp>
-        <p:nvSpPr>
-          <p:cNvPr id="3" name="灯片编号占位符 2"/>
-          <p:cNvSpPr>
-            <a:spLocks noGrp="1"/>
-          </p:cNvSpPr>
-          <p:nvPr>
-            <p:ph type="sldNum" idx="12"/>
-          </p:nvPr>
-        </p:nvSpPr>
-        <p:spPr/>
-        <p:txBody>
-          <a:bodyPr/>
-          <a:lstStyle/>
-          <a:p>
-            <a:pPr marL="0" lvl="0" indent="0" algn="ctr" rtl="0">
-              <a:spcBef>
-                <a:spcPts val="0"/>
-              </a:spcBef>
-              <a:spcAft>
-                <a:spcPts val="0"/>
-              </a:spcAft>
-              <a:buNone/>
-            </a:pPr>
-            <a:fld id="{00000000-1234-1234-1234-123412341234}" type="slidenum">
-              <a:rPr lang="en" smtClean="0"/>
-              <a:t>6</a:t>
-            </a:fld>
-            <a:endParaRPr lang="en"/>
-          </a:p>
-        </p:txBody>
-      </p:sp>
-      <p:pic>
-        <p:nvPicPr>
-          <p:cNvPr id="4" name="图片 3"/>
-          <p:cNvPicPr>
-            <a:picLocks noChangeAspect="1"/>
-          </p:cNvPicPr>
-          <p:nvPr/>
-        </p:nvPicPr>
-        <p:blipFill>
-          <a:blip r:embed="rId2"/>
-          <a:stretch>
-            <a:fillRect/>
-          </a:stretch>
-        </p:blipFill>
-        <p:spPr>
-          <a:xfrm>
-            <a:off x="2848619" y="351069"/>
-            <a:ext cx="3086230" cy="4660981"/>
-          </a:xfrm>
-          <a:prstGeom prst="rect">
-            <a:avLst/>
-          </a:prstGeom>
-        </p:spPr>
-      </p:pic>
-    </p:spTree>
-    <p:extLst>
-      <p:ext uri="{BB962C8B-B14F-4D97-AF65-F5344CB8AC3E}">
-        <p14:creationId xmlns:p14="http://schemas.microsoft.com/office/powerpoint/2010/main" val="336658254"/>
-      </p:ext>
-    </p:extLst>
-  </p:cSld>
-  <p:clrMapOvr>
-    <a:masterClrMapping/>
-  </p:clrMapOvr>
-  <p:transition spd="slow">
-    <p:push dir="u"/>
-  </p:transition>
-  <p:timing>
-    <p:tnLst>
-      <p:par>
-        <p:cTn id="1" dur="indefinite" restart="never" nodeType="tmRoot"/>
-      </p:par>
-    </p:tnLst>
-  </p:timing>
-</p:sld>
-</file>
-
-<file path=ppt/slides/slide7.xml><?xml version="1.0" encoding="utf-8"?>
 <p:sld xmlns:a="http://schemas.openxmlformats.org/drawingml/2006/main" xmlns:r="http://schemas.openxmlformats.org/officeDocument/2006/relationships" xmlns:p="http://schemas.openxmlformats.org/presentationml/2006/main">
   <p:cSld>
     <p:spTree>
@@ -17553,11 +16911,6 @@
               </a:rPr>
               <a:t>----framework</a:t>
             </a:r>
-            <a:endParaRPr lang="en-US" dirty="0" smtClean="0">
-              <a:solidFill>
-                <a:srgbClr val="000000"/>
-              </a:solidFill>
-            </a:endParaRPr>
           </a:p>
           <a:p>
             <a:pPr marL="0" lvl="0" indent="0">
@@ -17606,15 +16959,7 @@
                   <a:srgbClr val="000000"/>
                 </a:solidFill>
               </a:rPr>
-              <a:t> </a:t>
-            </a:r>
-            <a:r>
-              <a:rPr lang="en-US" b="1" dirty="0" smtClean="0">
-                <a:solidFill>
-                  <a:srgbClr val="000000"/>
-                </a:solidFill>
-              </a:rPr>
-              <a:t>---- </a:t>
+              <a:t> ---- </a:t>
             </a:r>
             <a:r>
               <a:rPr lang="en-US" dirty="0" smtClean="0">
@@ -17668,7 +17013,7 @@
             </a:pPr>
             <a:fld id="{00000000-1234-1234-1234-123412341234}" type="slidenum">
               <a:rPr lang="en"/>
-              <a:t>7</a:t>
+              <a:t>4</a:t>
             </a:fld>
             <a:endParaRPr/>
           </a:p>
@@ -18279,18 +17624,700 @@
   <p:clrMapOvr>
     <a:masterClrMapping/>
   </p:clrMapOvr>
-  <mc:AlternateContent xmlns:mc="http://schemas.openxmlformats.org/markup-compatibility/2006">
-    <mc:Choice xmlns:p14="http://schemas.microsoft.com/office/powerpoint/2010/main" Requires="p14">
+  <mc:AlternateContent xmlns:mc="http://schemas.openxmlformats.org/markup-compatibility/2006" xmlns:p14="http://schemas.microsoft.com/office/powerpoint/2010/main">
+    <mc:Choice Requires="p14">
       <p:transition spd="med" p14:dur="700">
         <p:fade/>
       </p:transition>
     </mc:Choice>
-    <mc:Fallback>
+    <mc:Fallback xmlns="">
       <p:transition spd="med">
         <p:fade/>
       </p:transition>
     </mc:Fallback>
   </mc:AlternateContent>
+  <p:timing>
+    <p:tnLst>
+      <p:par>
+        <p:cTn id="1" dur="indefinite" restart="never" nodeType="tmRoot"/>
+      </p:par>
+    </p:tnLst>
+  </p:timing>
+</p:sld>
+</file>
+
+<file path=ppt/slides/slide5.xml><?xml version="1.0" encoding="utf-8"?>
+<p:sld xmlns:a="http://schemas.openxmlformats.org/drawingml/2006/main" xmlns:r="http://schemas.openxmlformats.org/officeDocument/2006/relationships" xmlns:p="http://schemas.openxmlformats.org/presentationml/2006/main">
+  <p:cSld>
+    <p:spTree>
+      <p:nvGrpSpPr>
+        <p:cNvPr id="1" name=""/>
+        <p:cNvGrpSpPr/>
+        <p:nvPr/>
+      </p:nvGrpSpPr>
+      <p:grpSpPr>
+        <a:xfrm>
+          <a:off x="0" y="0"/>
+          <a:ext cx="0" cy="0"/>
+          <a:chOff x="0" y="0"/>
+          <a:chExt cx="0" cy="0"/>
+        </a:xfrm>
+      </p:grpSpPr>
+      <p:pic>
+        <p:nvPicPr>
+          <p:cNvPr id="4" name="图片 3"/>
+          <p:cNvPicPr>
+            <a:picLocks noChangeAspect="1"/>
+          </p:cNvPicPr>
+          <p:nvPr/>
+        </p:nvPicPr>
+        <p:blipFill>
+          <a:blip r:embed="rId3"/>
+          <a:stretch>
+            <a:fillRect/>
+          </a:stretch>
+        </p:blipFill>
+        <p:spPr>
+          <a:xfrm>
+            <a:off x="2374586" y="73419"/>
+            <a:ext cx="3095780" cy="4730197"/>
+          </a:xfrm>
+          <a:prstGeom prst="rect">
+            <a:avLst/>
+          </a:prstGeom>
+        </p:spPr>
+      </p:pic>
+      <p:sp>
+        <p:nvSpPr>
+          <p:cNvPr id="6" name="文本框 5"/>
+          <p:cNvSpPr txBox="1"/>
+          <p:nvPr/>
+        </p:nvSpPr>
+        <p:spPr>
+          <a:xfrm>
+            <a:off x="220258" y="493909"/>
+            <a:ext cx="2274469" cy="461665"/>
+          </a:xfrm>
+          <a:prstGeom prst="rect">
+            <a:avLst/>
+          </a:prstGeom>
+          <a:noFill/>
+        </p:spPr>
+        <p:txBody>
+          <a:bodyPr wrap="square" rtlCol="0">
+            <a:spAutoFit/>
+          </a:bodyPr>
+          <a:lstStyle/>
+          <a:p>
+            <a:r>
+              <a:rPr lang="en-US" altLang="zh-CN" sz="2400" dirty="0"/>
+              <a:t>S</a:t>
+            </a:r>
+            <a:r>
+              <a:rPr lang="en-US" altLang="zh-CN" sz="2400" dirty="0" smtClean="0"/>
+              <a:t>oda </a:t>
+            </a:r>
+            <a:r>
+              <a:rPr lang="en-US" altLang="zh-CN" sz="2400" dirty="0"/>
+              <a:t>F</a:t>
+            </a:r>
+            <a:r>
+              <a:rPr lang="en-US" altLang="zh-CN" sz="2400" dirty="0" smtClean="0"/>
+              <a:t>ountain</a:t>
+            </a:r>
+            <a:endParaRPr lang="zh-CN" altLang="en-US" sz="2400" dirty="0"/>
+          </a:p>
+        </p:txBody>
+      </p:sp>
+    </p:spTree>
+    <p:extLst>
+      <p:ext uri="{BB962C8B-B14F-4D97-AF65-F5344CB8AC3E}">
+        <p14:creationId xmlns:p14="http://schemas.microsoft.com/office/powerpoint/2010/main" val="3230243041"/>
+      </p:ext>
+    </p:extLst>
+  </p:cSld>
+  <p:clrMapOvr>
+    <a:masterClrMapping/>
+  </p:clrMapOvr>
+  <mc:AlternateContent xmlns:mc="http://schemas.openxmlformats.org/markup-compatibility/2006" xmlns:p15="http://schemas.microsoft.com/office/powerpoint/2012/main">
+    <mc:Choice Requires="p15">
+      <p:transition xmlns:p14="http://schemas.microsoft.com/office/powerpoint/2010/main" spd="slow" p14:dur="2000">
+        <p15:prstTrans prst="fallOver"/>
+      </p:transition>
+    </mc:Choice>
+    <mc:Fallback xmlns="">
+      <p:transition spd="slow">
+        <p:fade/>
+      </p:transition>
+    </mc:Fallback>
+  </mc:AlternateContent>
+  <p:timing>
+    <p:tnLst>
+      <p:par>
+        <p:cTn id="1" dur="indefinite" restart="never" nodeType="tmRoot">
+          <p:childTnLst>
+            <p:seq concurrent="1" nextAc="seek">
+              <p:cTn id="2" dur="indefinite" nodeType="mainSeq">
+                <p:childTnLst>
+                  <p:par>
+                    <p:cTn id="3" fill="hold">
+                      <p:stCondLst>
+                        <p:cond delay="indefinite"/>
+                      </p:stCondLst>
+                      <p:childTnLst>
+                        <p:par>
+                          <p:cTn id="4" fill="hold">
+                            <p:stCondLst>
+                              <p:cond delay="0"/>
+                            </p:stCondLst>
+                            <p:childTnLst>
+                              <p:par>
+                                <p:cTn id="5" presetID="16" presetClass="entr" presetSubtype="21" fill="hold" nodeType="clickEffect">
+                                  <p:stCondLst>
+                                    <p:cond delay="0"/>
+                                  </p:stCondLst>
+                                  <p:childTnLst>
+                                    <p:set>
+                                      <p:cBhvr>
+                                        <p:cTn id="6" dur="1" fill="hold">
+                                          <p:stCondLst>
+                                            <p:cond delay="0"/>
+                                          </p:stCondLst>
+                                        </p:cTn>
+                                        <p:tgtEl>
+                                          <p:spTgt spid="4"/>
+                                        </p:tgtEl>
+                                        <p:attrNameLst>
+                                          <p:attrName>style.visibility</p:attrName>
+                                        </p:attrNameLst>
+                                      </p:cBhvr>
+                                      <p:to>
+                                        <p:strVal val="visible"/>
+                                      </p:to>
+                                    </p:set>
+                                    <p:animEffect transition="in" filter="barn(inVertical)">
+                                      <p:cBhvr>
+                                        <p:cTn id="7" dur="500"/>
+                                        <p:tgtEl>
+                                          <p:spTgt spid="4"/>
+                                        </p:tgtEl>
+                                      </p:cBhvr>
+                                    </p:animEffect>
+                                  </p:childTnLst>
+                                </p:cTn>
+                              </p:par>
+                            </p:childTnLst>
+                          </p:cTn>
+                        </p:par>
+                      </p:childTnLst>
+                    </p:cTn>
+                  </p:par>
+                </p:childTnLst>
+              </p:cTn>
+              <p:prevCondLst>
+                <p:cond evt="onPrev" delay="0">
+                  <p:tgtEl>
+                    <p:sldTgt/>
+                  </p:tgtEl>
+                </p:cond>
+              </p:prevCondLst>
+              <p:nextCondLst>
+                <p:cond evt="onNext" delay="0">
+                  <p:tgtEl>
+                    <p:sldTgt/>
+                  </p:tgtEl>
+                </p:cond>
+              </p:nextCondLst>
+            </p:seq>
+          </p:childTnLst>
+        </p:cTn>
+      </p:par>
+    </p:tnLst>
+  </p:timing>
+</p:sld>
+</file>
+
+<file path=ppt/slides/slide6.xml><?xml version="1.0" encoding="utf-8"?>
+<p:sld xmlns:a="http://schemas.openxmlformats.org/drawingml/2006/main" xmlns:r="http://schemas.openxmlformats.org/officeDocument/2006/relationships" xmlns:p="http://schemas.openxmlformats.org/presentationml/2006/main">
+  <p:cSld>
+    <p:spTree>
+      <p:nvGrpSpPr>
+        <p:cNvPr id="1" name=""/>
+        <p:cNvGrpSpPr/>
+        <p:nvPr/>
+      </p:nvGrpSpPr>
+      <p:grpSpPr>
+        <a:xfrm>
+          <a:off x="0" y="0"/>
+          <a:ext cx="0" cy="0"/>
+          <a:chOff x="0" y="0"/>
+          <a:chExt cx="0" cy="0"/>
+        </a:xfrm>
+      </p:grpSpPr>
+      <p:pic>
+        <p:nvPicPr>
+          <p:cNvPr id="9" name="图片 8"/>
+          <p:cNvPicPr>
+            <a:picLocks noChangeAspect="1"/>
+          </p:cNvPicPr>
+          <p:nvPr/>
+        </p:nvPicPr>
+        <p:blipFill>
+          <a:blip r:embed="rId3"/>
+          <a:stretch>
+            <a:fillRect/>
+          </a:stretch>
+        </p:blipFill>
+        <p:spPr>
+          <a:xfrm>
+            <a:off x="86768" y="0"/>
+            <a:ext cx="2117744" cy="3245176"/>
+          </a:xfrm>
+          <a:prstGeom prst="rect">
+            <a:avLst/>
+          </a:prstGeom>
+        </p:spPr>
+      </p:pic>
+      <p:pic>
+        <p:nvPicPr>
+          <p:cNvPr id="10" name="图片 9"/>
+          <p:cNvPicPr>
+            <a:picLocks noChangeAspect="1"/>
+          </p:cNvPicPr>
+          <p:nvPr/>
+        </p:nvPicPr>
+        <p:blipFill>
+          <a:blip r:embed="rId4"/>
+          <a:stretch>
+            <a:fillRect/>
+          </a:stretch>
+        </p:blipFill>
+        <p:spPr>
+          <a:xfrm>
+            <a:off x="2894744" y="998665"/>
+            <a:ext cx="2619749" cy="4098114"/>
+          </a:xfrm>
+          <a:prstGeom prst="rect">
+            <a:avLst/>
+          </a:prstGeom>
+        </p:spPr>
+      </p:pic>
+      <p:pic>
+        <p:nvPicPr>
+          <p:cNvPr id="11" name="图片 10"/>
+          <p:cNvPicPr>
+            <a:picLocks noChangeAspect="1"/>
+          </p:cNvPicPr>
+          <p:nvPr/>
+        </p:nvPicPr>
+        <p:blipFill>
+          <a:blip r:embed="rId5"/>
+          <a:stretch>
+            <a:fillRect/>
+          </a:stretch>
+        </p:blipFill>
+        <p:spPr>
+          <a:xfrm>
+            <a:off x="6639630" y="0"/>
+            <a:ext cx="2312380" cy="3814067"/>
+          </a:xfrm>
+          <a:prstGeom prst="rect">
+            <a:avLst/>
+          </a:prstGeom>
+        </p:spPr>
+      </p:pic>
+      <p:sp>
+        <p:nvSpPr>
+          <p:cNvPr id="12" name="右箭头 11"/>
+          <p:cNvSpPr/>
+          <p:nvPr/>
+        </p:nvSpPr>
+        <p:spPr>
+          <a:xfrm>
+            <a:off x="2102453" y="2549641"/>
+            <a:ext cx="700817" cy="393793"/>
+          </a:xfrm>
+          <a:prstGeom prst="rightArrow">
+            <a:avLst/>
+          </a:prstGeom>
+        </p:spPr>
+        <p:style>
+          <a:lnRef idx="2">
+            <a:schemeClr val="accent4"/>
+          </a:lnRef>
+          <a:fillRef idx="1">
+            <a:schemeClr val="lt1"/>
+          </a:fillRef>
+          <a:effectRef idx="0">
+            <a:schemeClr val="accent4"/>
+          </a:effectRef>
+          <a:fontRef idx="minor">
+            <a:schemeClr val="dk1"/>
+          </a:fontRef>
+        </p:style>
+        <p:txBody>
+          <a:bodyPr rtlCol="0" anchor="ctr"/>
+          <a:lstStyle/>
+          <a:p>
+            <a:pPr algn="ctr"/>
+            <a:endParaRPr lang="zh-CN" altLang="en-US"/>
+          </a:p>
+        </p:txBody>
+      </p:sp>
+      <p:sp>
+        <p:nvSpPr>
+          <p:cNvPr id="13" name="右箭头 12"/>
+          <p:cNvSpPr/>
+          <p:nvPr/>
+        </p:nvSpPr>
+        <p:spPr>
+          <a:xfrm rot="19631252">
+            <a:off x="5656756" y="2178034"/>
+            <a:ext cx="700817" cy="393793"/>
+          </a:xfrm>
+          <a:prstGeom prst="rightArrow">
+            <a:avLst/>
+          </a:prstGeom>
+        </p:spPr>
+        <p:style>
+          <a:lnRef idx="2">
+            <a:schemeClr val="accent4"/>
+          </a:lnRef>
+          <a:fillRef idx="1">
+            <a:schemeClr val="lt1"/>
+          </a:fillRef>
+          <a:effectRef idx="0">
+            <a:schemeClr val="accent4"/>
+          </a:effectRef>
+          <a:fontRef idx="minor">
+            <a:schemeClr val="dk1"/>
+          </a:fontRef>
+        </p:style>
+        <p:txBody>
+          <a:bodyPr rtlCol="0" anchor="ctr"/>
+          <a:lstStyle/>
+          <a:p>
+            <a:pPr algn="ctr"/>
+            <a:endParaRPr lang="zh-CN" altLang="en-US"/>
+          </a:p>
+        </p:txBody>
+      </p:sp>
+    </p:spTree>
+    <p:extLst>
+      <p:ext uri="{BB962C8B-B14F-4D97-AF65-F5344CB8AC3E}">
+        <p14:creationId xmlns:p14="http://schemas.microsoft.com/office/powerpoint/2010/main" val="1975906056"/>
+      </p:ext>
+    </p:extLst>
+  </p:cSld>
+  <p:clrMapOvr>
+    <a:masterClrMapping/>
+  </p:clrMapOvr>
+  <p:transition spd="med">
+    <p:pull/>
+  </p:transition>
+  <p:timing>
+    <p:tnLst>
+      <p:par>
+        <p:cTn id="1" dur="indefinite" restart="never" nodeType="tmRoot">
+          <p:childTnLst>
+            <p:seq concurrent="1" nextAc="seek">
+              <p:cTn id="2" dur="indefinite" nodeType="mainSeq">
+                <p:childTnLst>
+                  <p:par>
+                    <p:cTn id="3" fill="hold">
+                      <p:stCondLst>
+                        <p:cond delay="indefinite"/>
+                      </p:stCondLst>
+                      <p:childTnLst>
+                        <p:par>
+                          <p:cTn id="4" fill="hold">
+                            <p:stCondLst>
+                              <p:cond delay="0"/>
+                            </p:stCondLst>
+                            <p:childTnLst>
+                              <p:par>
+                                <p:cTn id="5" presetID="1" presetClass="entr" presetSubtype="0" fill="hold" grpId="0" nodeType="clickEffect">
+                                  <p:stCondLst>
+                                    <p:cond delay="0"/>
+                                  </p:stCondLst>
+                                  <p:childTnLst>
+                                    <p:set>
+                                      <p:cBhvr>
+                                        <p:cTn id="6" dur="1" fill="hold">
+                                          <p:stCondLst>
+                                            <p:cond delay="0"/>
+                                          </p:stCondLst>
+                                        </p:cTn>
+                                        <p:tgtEl>
+                                          <p:spTgt spid="12"/>
+                                        </p:tgtEl>
+                                        <p:attrNameLst>
+                                          <p:attrName>style.visibility</p:attrName>
+                                        </p:attrNameLst>
+                                      </p:cBhvr>
+                                      <p:to>
+                                        <p:strVal val="visible"/>
+                                      </p:to>
+                                    </p:set>
+                                  </p:childTnLst>
+                                </p:cTn>
+                              </p:par>
+                            </p:childTnLst>
+                          </p:cTn>
+                        </p:par>
+                      </p:childTnLst>
+                    </p:cTn>
+                  </p:par>
+                  <p:par>
+                    <p:cTn id="7" fill="hold">
+                      <p:stCondLst>
+                        <p:cond delay="indefinite"/>
+                      </p:stCondLst>
+                      <p:childTnLst>
+                        <p:par>
+                          <p:cTn id="8" fill="hold">
+                            <p:stCondLst>
+                              <p:cond delay="0"/>
+                            </p:stCondLst>
+                            <p:childTnLst>
+                              <p:par>
+                                <p:cTn id="9" presetID="1" presetClass="entr" presetSubtype="0" fill="hold" nodeType="clickEffect">
+                                  <p:stCondLst>
+                                    <p:cond delay="0"/>
+                                  </p:stCondLst>
+                                  <p:childTnLst>
+                                    <p:set>
+                                      <p:cBhvr>
+                                        <p:cTn id="10" dur="1" fill="hold">
+                                          <p:stCondLst>
+                                            <p:cond delay="0"/>
+                                          </p:stCondLst>
+                                        </p:cTn>
+                                        <p:tgtEl>
+                                          <p:spTgt spid="10"/>
+                                        </p:tgtEl>
+                                        <p:attrNameLst>
+                                          <p:attrName>style.visibility</p:attrName>
+                                        </p:attrNameLst>
+                                      </p:cBhvr>
+                                      <p:to>
+                                        <p:strVal val="visible"/>
+                                      </p:to>
+                                    </p:set>
+                                  </p:childTnLst>
+                                </p:cTn>
+                              </p:par>
+                            </p:childTnLst>
+                          </p:cTn>
+                        </p:par>
+                      </p:childTnLst>
+                    </p:cTn>
+                  </p:par>
+                  <p:par>
+                    <p:cTn id="11" fill="hold">
+                      <p:stCondLst>
+                        <p:cond delay="indefinite"/>
+                      </p:stCondLst>
+                      <p:childTnLst>
+                        <p:par>
+                          <p:cTn id="12" fill="hold">
+                            <p:stCondLst>
+                              <p:cond delay="0"/>
+                            </p:stCondLst>
+                            <p:childTnLst>
+                              <p:par>
+                                <p:cTn id="13" presetID="1" presetClass="entr" presetSubtype="0" fill="hold" grpId="0" nodeType="clickEffect">
+                                  <p:stCondLst>
+                                    <p:cond delay="0"/>
+                                  </p:stCondLst>
+                                  <p:childTnLst>
+                                    <p:set>
+                                      <p:cBhvr>
+                                        <p:cTn id="14" dur="1" fill="hold">
+                                          <p:stCondLst>
+                                            <p:cond delay="0"/>
+                                          </p:stCondLst>
+                                        </p:cTn>
+                                        <p:tgtEl>
+                                          <p:spTgt spid="13"/>
+                                        </p:tgtEl>
+                                        <p:attrNameLst>
+                                          <p:attrName>style.visibility</p:attrName>
+                                        </p:attrNameLst>
+                                      </p:cBhvr>
+                                      <p:to>
+                                        <p:strVal val="visible"/>
+                                      </p:to>
+                                    </p:set>
+                                  </p:childTnLst>
+                                </p:cTn>
+                              </p:par>
+                            </p:childTnLst>
+                          </p:cTn>
+                        </p:par>
+                      </p:childTnLst>
+                    </p:cTn>
+                  </p:par>
+                  <p:par>
+                    <p:cTn id="15" fill="hold">
+                      <p:stCondLst>
+                        <p:cond delay="indefinite"/>
+                      </p:stCondLst>
+                      <p:childTnLst>
+                        <p:par>
+                          <p:cTn id="16" fill="hold">
+                            <p:stCondLst>
+                              <p:cond delay="0"/>
+                            </p:stCondLst>
+                            <p:childTnLst>
+                              <p:par>
+                                <p:cTn id="17" presetID="1" presetClass="entr" presetSubtype="0" fill="hold" nodeType="clickEffect">
+                                  <p:stCondLst>
+                                    <p:cond delay="0"/>
+                                  </p:stCondLst>
+                                  <p:childTnLst>
+                                    <p:set>
+                                      <p:cBhvr>
+                                        <p:cTn id="18" dur="1" fill="hold">
+                                          <p:stCondLst>
+                                            <p:cond delay="0"/>
+                                          </p:stCondLst>
+                                        </p:cTn>
+                                        <p:tgtEl>
+                                          <p:spTgt spid="11"/>
+                                        </p:tgtEl>
+                                        <p:attrNameLst>
+                                          <p:attrName>style.visibility</p:attrName>
+                                        </p:attrNameLst>
+                                      </p:cBhvr>
+                                      <p:to>
+                                        <p:strVal val="visible"/>
+                                      </p:to>
+                                    </p:set>
+                                  </p:childTnLst>
+                                </p:cTn>
+                              </p:par>
+                            </p:childTnLst>
+                          </p:cTn>
+                        </p:par>
+                      </p:childTnLst>
+                    </p:cTn>
+                  </p:par>
+                </p:childTnLst>
+              </p:cTn>
+              <p:prevCondLst>
+                <p:cond evt="onPrev" delay="0">
+                  <p:tgtEl>
+                    <p:sldTgt/>
+                  </p:tgtEl>
+                </p:cond>
+              </p:prevCondLst>
+              <p:nextCondLst>
+                <p:cond evt="onNext" delay="0">
+                  <p:tgtEl>
+                    <p:sldTgt/>
+                  </p:tgtEl>
+                </p:cond>
+              </p:nextCondLst>
+            </p:seq>
+          </p:childTnLst>
+        </p:cTn>
+      </p:par>
+    </p:tnLst>
+    <p:bldLst>
+      <p:bldP spid="12" grpId="0" animBg="1"/>
+      <p:bldP spid="13" grpId="0" animBg="1"/>
+    </p:bldLst>
+  </p:timing>
+</p:sld>
+</file>
+
+<file path=ppt/slides/slide7.xml><?xml version="1.0" encoding="utf-8"?>
+<p:sld xmlns:a="http://schemas.openxmlformats.org/drawingml/2006/main" xmlns:r="http://schemas.openxmlformats.org/officeDocument/2006/relationships" xmlns:p="http://schemas.openxmlformats.org/presentationml/2006/main">
+  <p:cSld>
+    <p:spTree>
+      <p:nvGrpSpPr>
+        <p:cNvPr id="1" name=""/>
+        <p:cNvGrpSpPr/>
+        <p:nvPr/>
+      </p:nvGrpSpPr>
+      <p:grpSpPr>
+        <a:xfrm>
+          <a:off x="0" y="0"/>
+          <a:ext cx="0" cy="0"/>
+          <a:chOff x="0" y="0"/>
+          <a:chExt cx="0" cy="0"/>
+        </a:xfrm>
+      </p:grpSpPr>
+      <p:sp>
+        <p:nvSpPr>
+          <p:cNvPr id="3" name="灯片编号占位符 2"/>
+          <p:cNvSpPr>
+            <a:spLocks noGrp="1"/>
+          </p:cNvSpPr>
+          <p:nvPr>
+            <p:ph type="sldNum" idx="12"/>
+          </p:nvPr>
+        </p:nvSpPr>
+        <p:spPr/>
+        <p:txBody>
+          <a:bodyPr/>
+          <a:lstStyle/>
+          <a:p>
+            <a:pPr marL="0" lvl="0" indent="0" algn="ctr" rtl="0">
+              <a:spcBef>
+                <a:spcPts val="0"/>
+              </a:spcBef>
+              <a:spcAft>
+                <a:spcPts val="0"/>
+              </a:spcAft>
+              <a:buNone/>
+            </a:pPr>
+            <a:fld id="{00000000-1234-1234-1234-123412341234}" type="slidenum">
+              <a:rPr lang="en" smtClean="0"/>
+              <a:t>7</a:t>
+            </a:fld>
+            <a:endParaRPr lang="en"/>
+          </a:p>
+        </p:txBody>
+      </p:sp>
+      <p:pic>
+        <p:nvPicPr>
+          <p:cNvPr id="4" name="图片 3"/>
+          <p:cNvPicPr>
+            <a:picLocks noChangeAspect="1"/>
+          </p:cNvPicPr>
+          <p:nvPr/>
+        </p:nvPicPr>
+        <p:blipFill>
+          <a:blip r:embed="rId2"/>
+          <a:stretch>
+            <a:fillRect/>
+          </a:stretch>
+        </p:blipFill>
+        <p:spPr>
+          <a:xfrm>
+            <a:off x="2848619" y="351069"/>
+            <a:ext cx="3086230" cy="4660981"/>
+          </a:xfrm>
+          <a:prstGeom prst="rect">
+            <a:avLst/>
+          </a:prstGeom>
+        </p:spPr>
+      </p:pic>
+    </p:spTree>
+    <p:extLst>
+      <p:ext uri="{BB962C8B-B14F-4D97-AF65-F5344CB8AC3E}">
+        <p14:creationId xmlns:p14="http://schemas.microsoft.com/office/powerpoint/2010/main" val="336658254"/>
+      </p:ext>
+    </p:extLst>
+  </p:cSld>
+  <p:clrMapOvr>
+    <a:masterClrMapping/>
+  </p:clrMapOvr>
+  <p:transition spd="slow">
+    <p:push dir="u"/>
+  </p:transition>
   <p:timing>
     <p:tnLst>
       <p:par>
@@ -18881,107 +18908,64 @@
             </a:bodyPr>
             <a:lstStyle/>
             <a:p>
-              <a:pPr marL="0" marR="0" lvl="0" indent="0" algn="l" defTabSz="914400" rtl="0" eaLnBrk="1" fontAlgn="auto" latinLnBrk="0" hangingPunct="1">
+              <a:pPr>
                 <a:lnSpc>
                   <a:spcPct val="115000"/>
                 </a:lnSpc>
-                <a:spcBef>
-                  <a:spcPts val="0"/>
-                </a:spcBef>
-                <a:spcAft>
-                  <a:spcPts val="0"/>
-                </a:spcAft>
-                <a:buClr>
-                  <a:srgbClr val="000000"/>
-                </a:buClr>
-                <a:buSzTx/>
-                <a:buFont typeface="Arial"/>
-                <a:buNone/>
-                <a:tabLst/>
                 <a:defRPr/>
               </a:pPr>
               <a:r>
-                <a:rPr kumimoji="0" lang="en-US" sz="1100" b="1" i="0" u="none" strike="noStrike" kern="0" cap="none" spc="0" normalizeH="0" baseline="0" noProof="0" dirty="0" smtClean="0">
-                  <a:ln>
-                    <a:noFill/>
-                  </a:ln>
+                <a:rPr lang="en-US" altLang="zh-CN" sz="1100" b="1" dirty="0">
                   <a:solidFill>
                     <a:srgbClr val="FFFFFF"/>
                   </a:solidFill>
-                  <a:effectLst/>
-                  <a:uLnTx/>
-                  <a:uFillTx/>
                   <a:latin typeface="Poppins"/>
                   <a:ea typeface="Poppins"/>
                   <a:cs typeface="Poppins"/>
                   <a:sym typeface="Poppins"/>
                 </a:rPr>
-                <a:t>Use</a:t>
+                <a:t>Use </a:t>
               </a:r>
               <a:r>
-                <a:rPr kumimoji="0" lang="en-US" sz="1100" b="1" i="0" u="none" strike="noStrike" kern="0" cap="none" spc="0" normalizeH="0" noProof="0" dirty="0" smtClean="0">
-                  <a:ln>
-                    <a:noFill/>
-                  </a:ln>
+                <a:rPr lang="en-US" altLang="zh-CN" sz="1100" b="1" dirty="0" err="1">
                   <a:solidFill>
                     <a:srgbClr val="FFFFFF"/>
                   </a:solidFill>
-                  <a:effectLst/>
-                  <a:uLnTx/>
-                  <a:uFillTx/>
                   <a:latin typeface="Poppins"/>
                   <a:ea typeface="Poppins"/>
                   <a:cs typeface="Poppins"/>
                   <a:sym typeface="Poppins"/>
                 </a:rPr>
-                <a:t> </a:t>
+                <a:t>js</a:t>
               </a:r>
               <a:r>
-                <a:rPr kumimoji="0" lang="en-US" sz="1100" b="1" i="0" u="none" strike="noStrike" kern="0" cap="none" spc="0" normalizeH="0" noProof="0" dirty="0" err="1" smtClean="0">
-                  <a:ln>
-                    <a:noFill/>
-                  </a:ln>
+                <a:rPr lang="en-US" altLang="zh-CN" sz="1100" b="1" dirty="0">
                   <a:solidFill>
                     <a:srgbClr val="FFFFFF"/>
                   </a:solidFill>
-                  <a:effectLst/>
-                  <a:uLnTx/>
-                  <a:uFillTx/>
                   <a:latin typeface="Poppins"/>
                   <a:ea typeface="Poppins"/>
                   <a:cs typeface="Poppins"/>
                   <a:sym typeface="Poppins"/>
                 </a:rPr>
-                <a:t>css</a:t>
+                <a:t> to achieve specific function of </a:t>
               </a:r>
               <a:r>
-                <a:rPr kumimoji="0" lang="en-US" sz="1100" b="1" i="0" u="none" strike="noStrike" kern="0" cap="none" spc="0" normalizeH="0" noProof="0" dirty="0" smtClean="0">
-                  <a:ln>
-                    <a:noFill/>
-                  </a:ln>
+                <a:rPr lang="en-US" altLang="zh-CN" sz="1100" b="1" dirty="0" smtClean="0">
                   <a:solidFill>
                     <a:srgbClr val="FFFFFF"/>
                   </a:solidFill>
-                  <a:effectLst/>
-                  <a:uLnTx/>
-                  <a:uFillTx/>
                   <a:latin typeface="Poppins"/>
                   <a:ea typeface="Poppins"/>
                   <a:cs typeface="Poppins"/>
                   <a:sym typeface="Poppins"/>
                 </a:rPr>
-                <a:t> to make website more beautiful</a:t>
+                <a:t>website</a:t>
               </a:r>
-              <a:endParaRPr kumimoji="0" sz="1100" b="1" i="0" u="none" strike="noStrike" kern="0" cap="none" spc="0" normalizeH="0" baseline="0" noProof="0" dirty="0">
-                <a:ln>
-                  <a:noFill/>
-                </a:ln>
+              <a:endParaRPr lang="en-US" altLang="zh-CN" sz="1100" b="1" dirty="0">
                 <a:solidFill>
                   <a:srgbClr val="FFFFFF"/>
                 </a:solidFill>
-                <a:effectLst/>
-                <a:uLnTx/>
-                <a:uFillTx/>
                 <a:latin typeface="Poppins"/>
                 <a:ea typeface="Poppins"/>
                 <a:cs typeface="Poppins"/>
@@ -19178,36 +19162,17 @@
             </a:bodyPr>
             <a:lstStyle/>
             <a:p>
-              <a:pPr marL="0" marR="0" lvl="0" indent="0" algn="l" defTabSz="914400" rtl="0" eaLnBrk="1" fontAlgn="auto" latinLnBrk="0" hangingPunct="1">
+              <a:pPr lvl="0">
                 <a:lnSpc>
                   <a:spcPct val="115000"/>
                 </a:lnSpc>
-                <a:spcBef>
-                  <a:spcPts val="0"/>
-                </a:spcBef>
-                <a:spcAft>
-                  <a:spcPts val="0"/>
-                </a:spcAft>
-                <a:buClr>
-                  <a:srgbClr val="000000"/>
-                </a:buClr>
-                <a:buSzTx/>
-                <a:buFont typeface="Arial"/>
-                <a:buNone/>
-                <a:tabLst/>
                 <a:defRPr/>
               </a:pPr>
               <a:r>
-                <a:rPr kumimoji="0" lang="en-US" sz="1100" b="1" i="0" u="none" strike="noStrike" kern="0" cap="none" spc="0" normalizeH="0" baseline="0" noProof="0" dirty="0" smtClean="0">
-                  <a:ln>
-                    <a:noFill/>
-                  </a:ln>
+                <a:rPr lang="en-US" altLang="zh-CN" sz="1100" b="1" dirty="0">
                   <a:solidFill>
                     <a:srgbClr val="FFFFFF"/>
                   </a:solidFill>
-                  <a:effectLst/>
-                  <a:uLnTx/>
-                  <a:uFillTx/>
                   <a:latin typeface="Poppins"/>
                   <a:ea typeface="Poppins"/>
                   <a:cs typeface="Poppins"/>
@@ -19216,56 +19181,29 @@
                 <a:t>Use </a:t>
               </a:r>
               <a:r>
-                <a:rPr kumimoji="0" lang="en-US" sz="1100" b="1" i="0" u="none" strike="noStrike" kern="0" cap="none" spc="0" normalizeH="0" baseline="0" noProof="0" dirty="0" err="1" smtClean="0">
-                  <a:ln>
-                    <a:noFill/>
-                  </a:ln>
+                <a:rPr lang="en-US" altLang="zh-CN" sz="1100" b="1" dirty="0" err="1">
                   <a:solidFill>
                     <a:srgbClr val="FFFFFF"/>
                   </a:solidFill>
-                  <a:effectLst/>
-                  <a:uLnTx/>
-                  <a:uFillTx/>
                   <a:latin typeface="Poppins"/>
                   <a:ea typeface="Poppins"/>
                   <a:cs typeface="Poppins"/>
                   <a:sym typeface="Poppins"/>
                 </a:rPr>
-                <a:t>js</a:t>
+                <a:t>css</a:t>
               </a:r>
               <a:r>
-                <a:rPr kumimoji="0" lang="en-US" sz="1100" b="1" i="0" u="none" strike="noStrike" kern="0" cap="none" spc="0" normalizeH="0" baseline="0" noProof="0" dirty="0" smtClean="0">
-                  <a:ln>
-                    <a:noFill/>
-                  </a:ln>
+                <a:rPr lang="en-US" altLang="zh-CN" sz="1100" b="1" dirty="0">
                   <a:solidFill>
                     <a:srgbClr val="FFFFFF"/>
                   </a:solidFill>
-                  <a:effectLst/>
-                  <a:uLnTx/>
-                  <a:uFillTx/>
                   <a:latin typeface="Poppins"/>
                   <a:ea typeface="Poppins"/>
                   <a:cs typeface="Poppins"/>
                   <a:sym typeface="Poppins"/>
                 </a:rPr>
-                <a:t> to achieve specific function of website</a:t>
+                <a:t> to make website more beautiful</a:t>
               </a:r>
-              <a:endParaRPr kumimoji="0" sz="1100" b="1" i="0" u="none" strike="noStrike" kern="0" cap="none" spc="0" normalizeH="0" baseline="0" noProof="0" dirty="0">
-                <a:ln>
-                  <a:noFill/>
-                </a:ln>
-                <a:solidFill>
-                  <a:srgbClr val="FFFFFF"/>
-                </a:solidFill>
-                <a:effectLst/>
-                <a:uLnTx/>
-                <a:uFillTx/>
-                <a:latin typeface="Poppins"/>
-                <a:ea typeface="Poppins"/>
-                <a:cs typeface="Poppins"/>
-                <a:sym typeface="Poppins"/>
-              </a:endParaRPr>
             </a:p>
           </p:txBody>
         </p:sp>
@@ -19609,13 +19547,13 @@
   <p:clrMapOvr>
     <a:masterClrMapping/>
   </p:clrMapOvr>
-  <mc:AlternateContent xmlns:mc="http://schemas.openxmlformats.org/markup-compatibility/2006">
-    <mc:Choice xmlns:p15="http://schemas.microsoft.com/office/powerpoint/2012/main" Requires="p15">
+  <mc:AlternateContent xmlns:mc="http://schemas.openxmlformats.org/markup-compatibility/2006" xmlns:p15="http://schemas.microsoft.com/office/powerpoint/2012/main">
+    <mc:Choice Requires="p15">
       <p:transition xmlns:p14="http://schemas.microsoft.com/office/powerpoint/2010/main" spd="slow" p14:dur="1250">
         <p15:prstTrans prst="peelOff"/>
       </p:transition>
     </mc:Choice>
-    <mc:Fallback>
+    <mc:Fallback xmlns="">
       <p:transition spd="slow">
         <p:fade/>
       </p:transition>
